--- a/ppt/20220714_기의찬_Html tag.pptx
+++ b/ppt/20220714_기의찬_Html tag.pptx
@@ -110,6 +110,11 @@
       </a:defRPr>
     </a:lvl9pPr>
   </p:defaultTextStyle>
+  <p:extLst>
+    <p:ext uri="{EFAFB233-063F-42B5-8137-9DF3F51BA10A}">
+      <p15:sldGuideLst xmlns:p15="http://schemas.microsoft.com/office/powerpoint/2012/main"/>
+    </p:ext>
+  </p:extLst>
 </p:presentation>
 </file>
 
@@ -6063,13 +6068,7 @@
               <a:rPr lang="en-US" altLang="ko-KR" sz="2400" b="1" smtClean="0">
                 <a:latin typeface="+mn-ea"/>
               </a:rPr>
-              <a:t>&lt;ol&gt;, &lt;ul&gt;</a:t>
-            </a:r>
-            <a:r>
-              <a:rPr lang="en-US" altLang="ko-KR" sz="2400" b="1" smtClean="0">
-                <a:latin typeface="+mn-ea"/>
-              </a:rPr>
-              <a:t>,</a:t>
+              <a:t>&lt;ol&gt;, &lt;ul&gt;,</a:t>
             </a:r>
             <a:r>
               <a:rPr lang="ko-KR" altLang="en-US" sz="2400" b="1" smtClean="0">
@@ -8372,11 +8371,7 @@
           <a:p>
             <a:r>
               <a:rPr lang="en-US" altLang="ko-KR" sz="1000"/>
-              <a:t>&lt;/</a:t>
-            </a:r>
-            <a:r>
-              <a:rPr lang="en-US" altLang="ko-KR" sz="1000"/>
-              <a:t>ul</a:t>
+              <a:t>&lt;/ul</a:t>
             </a:r>
             <a:r>
               <a:rPr lang="en-US" altLang="ko-KR" sz="1000" smtClean="0"/>
@@ -8423,25 +8418,27 @@
               <a:rPr lang="en-US" altLang="ko-KR" sz="1000">
                 <a:latin typeface="+mn-ea"/>
               </a:rPr>
-              <a:t>)●, </a:t>
+              <a:t>)●, ●</a:t>
+            </a:r>
+            <a:r>
+              <a:rPr lang="en-US" altLang="ko-KR" sz="1000" smtClean="0">
+                <a:latin typeface="+mn-ea"/>
+              </a:rPr>
+              <a:t>, </a:t>
             </a:r>
             <a:r>
               <a:rPr lang="en-US" altLang="ko-KR" sz="1000">
                 <a:latin typeface="+mn-ea"/>
               </a:rPr>
-              <a:t>●</a:t>
-            </a:r>
-            <a:r>
-              <a:rPr lang="en-US" altLang="ko-KR" sz="1000" smtClean="0">
-                <a:latin typeface="+mn-ea"/>
-              </a:rPr>
-              <a:t>, </a:t>
-            </a:r>
+              <a:t>●, ...</a:t>
+            </a:r>
+          </a:p>
+          <a:p>
             <a:r>
               <a:rPr lang="en-US" altLang="ko-KR" sz="1000">
                 <a:latin typeface="+mn-ea"/>
               </a:rPr>
-              <a:t>●, ...</a:t>
+              <a:t>        type="square" ■, ■, ■, ...</a:t>
             </a:r>
           </a:p>
           <a:p>
@@ -8449,21 +8446,7 @@
               <a:rPr lang="en-US" altLang="ko-KR" sz="1000">
                 <a:latin typeface="+mn-ea"/>
               </a:rPr>
-              <a:t>        type="square" ■, ■, ■, ...</a:t>
-            </a:r>
-          </a:p>
-          <a:p>
-            <a:r>
-              <a:rPr lang="en-US" altLang="ko-KR" sz="1000">
-                <a:latin typeface="+mn-ea"/>
-              </a:rPr>
-              <a:t>        type="circle" ○, ○, ○</a:t>
-            </a:r>
-            <a:r>
-              <a:rPr lang="en-US" altLang="ko-KR" sz="1000">
-                <a:latin typeface="+mn-ea"/>
-              </a:rPr>
-              <a:t>, </a:t>
+              <a:t>        type="circle" ○, ○, ○, </a:t>
             </a:r>
             <a:r>
               <a:rPr lang="en-US" altLang="ko-KR" sz="1000" smtClean="0">
@@ -8872,13 +8855,7 @@
               <a:rPr lang="en-US" altLang="ko-KR" sz="2400" b="1" smtClean="0">
                 <a:latin typeface="+mn-ea"/>
               </a:rPr>
-              <a:t>&lt;ol&gt;, &lt;ul&gt;</a:t>
-            </a:r>
-            <a:r>
-              <a:rPr lang="en-US" altLang="ko-KR" sz="2400" b="1" smtClean="0">
-                <a:latin typeface="+mn-ea"/>
-              </a:rPr>
-              <a:t>,</a:t>
+              <a:t>&lt;ol&gt;, &lt;ul&gt;,</a:t>
             </a:r>
             <a:r>
               <a:rPr lang="ko-KR" altLang="en-US" sz="2400" b="1" smtClean="0">
@@ -9458,16 +9435,7 @@
                 </a:solidFill>
                 <a:latin typeface="+mn-ea"/>
               </a:rPr>
-              <a:t>     </a:t>
-            </a:r>
-            <a:r>
-              <a:rPr lang="en-US" altLang="ko-KR" sz="900">
-                <a:solidFill>
-                  <a:srgbClr val="ABB2BF"/>
-                </a:solidFill>
-                <a:latin typeface="+mn-ea"/>
-              </a:rPr>
-              <a:t> </a:t>
+              <a:t>      </a:t>
             </a:r>
             <a:r>
               <a:rPr lang="en-US" altLang="ko-KR" sz="900" smtClean="0">
@@ -13488,13 +13456,7 @@
               <a:rPr lang="ko-KR" altLang="en-US" sz="1000">
                 <a:latin typeface="+mn-ea"/>
               </a:rPr>
-              <a:t>헤딩 </a:t>
-            </a:r>
-            <a:r>
-              <a:rPr lang="ko-KR" altLang="en-US" sz="1000">
-                <a:latin typeface="+mn-ea"/>
-              </a:rPr>
-              <a:t>셀 </a:t>
+              <a:t>헤딩 셀 </a:t>
             </a:r>
             <a:r>
               <a:rPr lang="ko-KR" altLang="en-US" sz="1000" smtClean="0">
@@ -13663,13 +13625,7 @@
               <a:rPr lang="ko-KR" altLang="en-US" sz="1000">
                 <a:latin typeface="+mn-ea"/>
               </a:rPr>
-              <a:t>데이터 </a:t>
-            </a:r>
-            <a:r>
-              <a:rPr lang="ko-KR" altLang="en-US" sz="1000">
-                <a:latin typeface="+mn-ea"/>
-              </a:rPr>
-              <a:t>셀 </a:t>
+              <a:t>데이터 셀 </a:t>
             </a:r>
             <a:r>
               <a:rPr lang="en-US" altLang="ko-KR" sz="1000" smtClean="0">
@@ -13751,13 +13707,7 @@
               <a:rPr lang="ko-KR" altLang="en-US" sz="1000">
                 <a:latin typeface="+mn-ea"/>
               </a:rPr>
-              <a:t>셀의 너비 </a:t>
-            </a:r>
-            <a:r>
-              <a:rPr lang="ko-KR" altLang="en-US" sz="1000">
-                <a:latin typeface="+mn-ea"/>
-              </a:rPr>
-              <a:t>지정 </a:t>
+              <a:t>셀의 너비 지정 </a:t>
             </a:r>
             <a:endParaRPr lang="en-US" altLang="ko-KR" sz="1000" smtClean="0">
               <a:latin typeface="+mn-ea"/>
@@ -13774,13 +13724,7 @@
               <a:rPr lang="ko-KR" altLang="en-US" sz="1000">
                 <a:latin typeface="+mn-ea"/>
               </a:rPr>
-              <a:t>셀의 </a:t>
-            </a:r>
-            <a:r>
-              <a:rPr lang="ko-KR" altLang="en-US" sz="1000">
-                <a:latin typeface="+mn-ea"/>
-              </a:rPr>
-              <a:t>높이 </a:t>
+              <a:t>셀의 높이 </a:t>
             </a:r>
             <a:r>
               <a:rPr lang="ko-KR" altLang="en-US" sz="1000" smtClean="0">
@@ -15595,13 +15539,7 @@
               <a:rPr lang="ko-KR" altLang="en-US" sz="1000">
                 <a:latin typeface="+mn-ea"/>
               </a:rPr>
-              <a:t>에 반드시 첫 </a:t>
-            </a:r>
-            <a:r>
-              <a:rPr lang="ko-KR" altLang="en-US" sz="1000">
-                <a:latin typeface="+mn-ea"/>
-              </a:rPr>
-              <a:t>번째로 </a:t>
+              <a:t>에 반드시 첫 번째로 </a:t>
             </a:r>
             <a:r>
               <a:rPr lang="ko-KR" altLang="en-US" sz="1000" smtClean="0">
@@ -15656,13 +15594,7 @@
               <a:rPr lang="en-US" altLang="ko-KR" sz="1000">
                 <a:latin typeface="+mn-ea"/>
               </a:rPr>
-              <a:t>&lt;</a:t>
-            </a:r>
-            <a:r>
-              <a:rPr lang="en-US" altLang="ko-KR" sz="1000">
-                <a:latin typeface="+mn-ea"/>
-              </a:rPr>
-              <a:t>img</a:t>
+              <a:t>&lt;img</a:t>
             </a:r>
             <a:r>
               <a:rPr lang="en-US" altLang="ko-KR" sz="1000" smtClean="0">
@@ -15745,9 +15677,6 @@
               </a:rPr>
               <a:t>높이 지정</a:t>
             </a:r>
-            <a:endParaRPr lang="ko-KR" altLang="en-US" sz="1000">
-              <a:latin typeface="+mn-ea"/>
-            </a:endParaRPr>
           </a:p>
         </p:txBody>
       </p:sp>
@@ -15814,25 +15743,7 @@
               <a:rPr lang="en-US" altLang="ko-KR" sz="2400" b="1" smtClean="0">
                 <a:latin typeface="+mn-ea"/>
               </a:rPr>
-              <a:t>&lt;ol&gt;, &lt;ul&gt;</a:t>
-            </a:r>
-            <a:r>
-              <a:rPr lang="en-US" altLang="ko-KR" sz="2400" b="1" smtClean="0">
-                <a:latin typeface="+mn-ea"/>
-              </a:rPr>
-              <a:t>,</a:t>
-            </a:r>
-            <a:r>
-              <a:rPr lang="ko-KR" altLang="en-US" sz="2400" b="1" smtClean="0">
-                <a:latin typeface="+mn-ea"/>
-              </a:rPr>
-              <a:t> </a:t>
-            </a:r>
-            <a:r>
-              <a:rPr lang="en-US" altLang="ko-KR" sz="2400" b="1">
-                <a:latin typeface="+mn-ea"/>
-              </a:rPr>
-              <a:t>&lt;li&gt;</a:t>
+              <a:t>link</a:t>
             </a:r>
             <a:endParaRPr lang="ko-KR" altLang="en-US" sz="2400" b="1">
               <a:latin typeface="+mn-ea"/>

--- a/ppt/20220714_기의찬_Html tag.pptx
+++ b/ppt/20220714_기의찬_Html tag.pptx
@@ -12,6 +12,8 @@
     <p:sldId id="261" r:id="rId6"/>
     <p:sldId id="262" r:id="rId7"/>
     <p:sldId id="263" r:id="rId8"/>
+    <p:sldId id="264" r:id="rId9"/>
+    <p:sldId id="265" r:id="rId10"/>
   </p:sldIdLst>
   <p:sldSz cx="12192000" cy="6858000"/>
   <p:notesSz cx="6858000" cy="9144000"/>
@@ -348,7 +350,7 @@
             <a:fld id="{B61BEF0D-F0BB-DE4B-95CE-6DB70DBA9567}" type="datetimeFigureOut">
               <a:rPr lang="en-US"/>
               <a:pPr/>
-              <a:t>7/14/2022</a:t>
+              <a:t>7/15/2022</a:t>
             </a:fld>
             <a:endParaRPr lang="en-US"/>
           </a:p>
@@ -679,7 +681,7 @@
             <a:fld id="{B61BEF0D-F0BB-DE4B-95CE-6DB70DBA9567}" type="datetimeFigureOut">
               <a:rPr lang="en-US"/>
               <a:pPr/>
-              <a:t>7/14/2022</a:t>
+              <a:t>7/15/2022</a:t>
             </a:fld>
             <a:endParaRPr lang="en-US"/>
           </a:p>
@@ -954,7 +956,7 @@
             <a:fld id="{B61BEF0D-F0BB-DE4B-95CE-6DB70DBA9567}" type="datetimeFigureOut">
               <a:rPr lang="en-US"/>
               <a:pPr/>
-              <a:t>7/14/2022</a:t>
+              <a:t>7/15/2022</a:t>
             </a:fld>
             <a:endParaRPr lang="en-US"/>
           </a:p>
@@ -1519,7 +1521,7 @@
             <a:fld id="{B61BEF0D-F0BB-DE4B-95CE-6DB70DBA9567}" type="datetimeFigureOut">
               <a:rPr lang="en-US"/>
               <a:pPr/>
-              <a:t>7/14/2022</a:t>
+              <a:t>7/15/2022</a:t>
             </a:fld>
             <a:endParaRPr lang="en-US"/>
           </a:p>
@@ -1794,7 +1796,7 @@
             <a:fld id="{B61BEF0D-F0BB-DE4B-95CE-6DB70DBA9567}" type="datetimeFigureOut">
               <a:rPr lang="en-US"/>
               <a:pPr/>
-              <a:t>7/14/2022</a:t>
+              <a:t>7/15/2022</a:t>
             </a:fld>
             <a:endParaRPr lang="en-US"/>
           </a:p>
@@ -2353,7 +2355,7 @@
             <a:fld id="{B61BEF0D-F0BB-DE4B-95CE-6DB70DBA9567}" type="datetimeFigureOut">
               <a:rPr lang="en-US"/>
               <a:pPr/>
-              <a:t>7/14/2022</a:t>
+              <a:t>7/15/2022</a:t>
             </a:fld>
             <a:endParaRPr lang="en-US"/>
           </a:p>
@@ -2677,7 +2679,7 @@
             <a:fld id="{B61BEF0D-F0BB-DE4B-95CE-6DB70DBA9567}" type="datetimeFigureOut">
               <a:rPr lang="en-US"/>
               <a:pPr/>
-              <a:t>7/14/2022</a:t>
+              <a:t>7/15/2022</a:t>
             </a:fld>
             <a:endParaRPr lang="en-US"/>
           </a:p>
@@ -2851,7 +2853,7 @@
             <a:fld id="{B61BEF0D-F0BB-DE4B-95CE-6DB70DBA9567}" type="datetimeFigureOut">
               <a:rPr lang="en-US"/>
               <a:pPr/>
-              <a:t>7/14/2022</a:t>
+              <a:t>7/15/2022</a:t>
             </a:fld>
             <a:endParaRPr lang="en-US"/>
           </a:p>
@@ -3086,7 +3088,7 @@
             <a:fld id="{B61BEF0D-F0BB-DE4B-95CE-6DB70DBA9567}" type="datetimeFigureOut">
               <a:rPr lang="en-US"/>
               <a:pPr/>
-              <a:t>7/14/2022</a:t>
+              <a:t>7/15/2022</a:t>
             </a:fld>
             <a:endParaRPr lang="en-US"/>
           </a:p>
@@ -3283,7 +3285,7 @@
             <a:fld id="{B61BEF0D-F0BB-DE4B-95CE-6DB70DBA9567}" type="datetimeFigureOut">
               <a:rPr lang="en-US"/>
               <a:pPr/>
-              <a:t>7/14/2022</a:t>
+              <a:t>7/15/2022</a:t>
             </a:fld>
             <a:endParaRPr lang="en-US"/>
           </a:p>
@@ -3556,7 +3558,7 @@
             <a:fld id="{B61BEF0D-F0BB-DE4B-95CE-6DB70DBA9567}" type="datetimeFigureOut">
               <a:rPr lang="en-US"/>
               <a:pPr/>
-              <a:t>7/14/2022</a:t>
+              <a:t>7/15/2022</a:t>
             </a:fld>
             <a:endParaRPr lang="en-US"/>
           </a:p>
@@ -3819,7 +3821,7 @@
             <a:fld id="{B61BEF0D-F0BB-DE4B-95CE-6DB70DBA9567}" type="datetimeFigureOut">
               <a:rPr lang="en-US"/>
               <a:pPr/>
-              <a:t>7/14/2022</a:t>
+              <a:t>7/15/2022</a:t>
             </a:fld>
             <a:endParaRPr lang="en-US"/>
           </a:p>
@@ -4190,7 +4192,7 @@
             <a:fld id="{B61BEF0D-F0BB-DE4B-95CE-6DB70DBA9567}" type="datetimeFigureOut">
               <a:rPr lang="en-US"/>
               <a:pPr/>
-              <a:t>7/14/2022</a:t>
+              <a:t>7/15/2022</a:t>
             </a:fld>
             <a:endParaRPr lang="en-US"/>
           </a:p>
@@ -4335,7 +4337,7 @@
             <a:fld id="{B61BEF0D-F0BB-DE4B-95CE-6DB70DBA9567}" type="datetimeFigureOut">
               <a:rPr lang="en-US"/>
               <a:pPr/>
-              <a:t>7/14/2022</a:t>
+              <a:t>7/15/2022</a:t>
             </a:fld>
             <a:endParaRPr lang="en-US"/>
           </a:p>
@@ -4457,7 +4459,7 @@
             <a:fld id="{B61BEF0D-F0BB-DE4B-95CE-6DB70DBA9567}" type="datetimeFigureOut">
               <a:rPr lang="en-US"/>
               <a:pPr/>
-              <a:t>7/14/2022</a:t>
+              <a:t>7/15/2022</a:t>
             </a:fld>
             <a:endParaRPr lang="en-US"/>
           </a:p>
@@ -4739,7 +4741,7 @@
             <a:fld id="{B61BEF0D-F0BB-DE4B-95CE-6DB70DBA9567}" type="datetimeFigureOut">
               <a:rPr lang="en-US"/>
               <a:pPr/>
-              <a:t>7/14/2022</a:t>
+              <a:t>7/15/2022</a:t>
             </a:fld>
             <a:endParaRPr lang="en-US"/>
           </a:p>
@@ -5060,7 +5062,7 @@
             <a:fld id="{B61BEF0D-F0BB-DE4B-95CE-6DB70DBA9567}" type="datetimeFigureOut">
               <a:rPr lang="en-US"/>
               <a:pPr/>
-              <a:t>7/14/2022</a:t>
+              <a:t>7/15/2022</a:t>
             </a:fld>
             <a:endParaRPr lang="en-US"/>
           </a:p>
@@ -5271,7 +5273,7 @@
             <a:fld id="{B61BEF0D-F0BB-DE4B-95CE-6DB70DBA9567}" type="datetimeFigureOut">
               <a:rPr lang="en-US"/>
               <a:pPr/>
-              <a:t>7/14/2022</a:t>
+              <a:t>7/15/2022</a:t>
             </a:fld>
             <a:endParaRPr lang="en-US"/>
           </a:p>
@@ -5949,6 +5951,19 @@
             </a:r>
           </a:p>
           <a:p>
+            <a:r>
+              <a:rPr lang="en-US" altLang="ko-KR" smtClean="0"/>
+              <a:t>Target</a:t>
+            </a:r>
+          </a:p>
+          <a:p>
+            <a:r>
+              <a:rPr lang="en-US" altLang="ko-KR"/>
+              <a:t> </a:t>
+            </a:r>
+            <a:endParaRPr lang="en-US" altLang="ko-KR" smtClean="0"/>
+          </a:p>
+          <a:p>
             <a:endParaRPr lang="en-US" altLang="ko-KR" smtClean="0"/>
           </a:p>
         </p:txBody>
@@ -18136,6 +18151,88 @@
           </a:prstGeom>
         </p:spPr>
       </p:pic>
+      <p:sp>
+        <p:nvSpPr>
+          <p:cNvPr id="8" name="TextBox 7"/>
+          <p:cNvSpPr txBox="1"/>
+          <p:nvPr/>
+        </p:nvSpPr>
+        <p:spPr>
+          <a:xfrm>
+            <a:off x="6952735" y="1125841"/>
+            <a:ext cx="4357257" cy="1169551"/>
+          </a:xfrm>
+          <a:prstGeom prst="rect">
+            <a:avLst/>
+          </a:prstGeom>
+          <a:noFill/>
+        </p:spPr>
+        <p:txBody>
+          <a:bodyPr wrap="square" rtlCol="0">
+            <a:spAutoFit/>
+          </a:bodyPr>
+          <a:lstStyle/>
+          <a:p>
+            <a:r>
+              <a:rPr lang="en-US" altLang="ko-KR" sz="1000" smtClean="0"/>
+              <a:t>Link </a:t>
+            </a:r>
+            <a:r>
+              <a:rPr lang="ko-KR" altLang="en-US" sz="1000" smtClean="0"/>
+              <a:t>기본 서식</a:t>
+            </a:r>
+            <a:endParaRPr lang="en-US" altLang="ko-KR" sz="1000" smtClean="0"/>
+          </a:p>
+          <a:p>
+            <a:endParaRPr lang="en-US" altLang="ko-KR" sz="1000"/>
+          </a:p>
+          <a:p>
+            <a:r>
+              <a:rPr lang="en-US" altLang="ko-KR" sz="1000" smtClean="0"/>
+              <a:t>&lt;a href=“”(</a:t>
+            </a:r>
+            <a:r>
+              <a:rPr lang="ko-KR" altLang="en-US" sz="1000" smtClean="0"/>
+              <a:t>이미지나 명칭</a:t>
+            </a:r>
+            <a:r>
+              <a:rPr lang="en-US" altLang="ko-KR" sz="1000" smtClean="0"/>
+              <a:t>)&gt;</a:t>
+            </a:r>
+          </a:p>
+          <a:p>
+            <a:endParaRPr lang="en-US" altLang="ko-KR" sz="1000"/>
+          </a:p>
+          <a:p>
+            <a:r>
+              <a:rPr lang="ko-KR" altLang="en-US" sz="1000" smtClean="0"/>
+              <a:t>이미지 경우</a:t>
+            </a:r>
+            <a:endParaRPr lang="en-US" altLang="ko-KR" sz="1000" smtClean="0"/>
+          </a:p>
+          <a:p>
+            <a:r>
+              <a:rPr lang="en-US" altLang="ko-KR" sz="1000" smtClean="0"/>
+              <a:t>&lt;a href=“”&gt;</a:t>
+            </a:r>
+          </a:p>
+          <a:p>
+            <a:r>
+              <a:rPr lang="en-US" altLang="ko-KR" sz="1000" smtClean="0"/>
+              <a:t>&lt;img src=“”(</a:t>
+            </a:r>
+            <a:r>
+              <a:rPr lang="ko-KR" altLang="en-US" sz="1000" smtClean="0"/>
+              <a:t>사이즈</a:t>
+            </a:r>
+            <a:r>
+              <a:rPr lang="en-US" altLang="ko-KR" sz="1000" smtClean="0"/>
+              <a:t>)&gt;</a:t>
+            </a:r>
+            <a:endParaRPr lang="ko-KR" altLang="en-US" sz="1000"/>
+          </a:p>
+        </p:txBody>
+      </p:sp>
     </p:spTree>
     <p:extLst>
       <p:ext uri="{BB962C8B-B14F-4D97-AF65-F5344CB8AC3E}">
@@ -18153,6 +18250,2458 @@
       </p:par>
     </p:tnLst>
   </p:timing>
+</p:sld>
+</file>
+
+<file path=ppt/slides/slide8.xml><?xml version="1.0" encoding="utf-8"?>
+<p:sld xmlns:a="http://schemas.openxmlformats.org/drawingml/2006/main" xmlns:r="http://schemas.openxmlformats.org/officeDocument/2006/relationships" xmlns:p="http://schemas.openxmlformats.org/presentationml/2006/main">
+  <p:cSld>
+    <p:spTree>
+      <p:nvGrpSpPr>
+        <p:cNvPr id="1" name=""/>
+        <p:cNvGrpSpPr/>
+        <p:nvPr/>
+      </p:nvGrpSpPr>
+      <p:grpSpPr>
+        <a:xfrm>
+          <a:off x="0" y="0"/>
+          <a:ext cx="0" cy="0"/>
+          <a:chOff x="0" y="0"/>
+          <a:chExt cx="0" cy="0"/>
+        </a:xfrm>
+      </p:grpSpPr>
+      <p:sp>
+        <p:nvSpPr>
+          <p:cNvPr id="2" name="직사각형 1"/>
+          <p:cNvSpPr/>
+          <p:nvPr/>
+        </p:nvSpPr>
+        <p:spPr>
+          <a:xfrm>
+            <a:off x="518984" y="1335699"/>
+            <a:ext cx="4753232" cy="5016758"/>
+          </a:xfrm>
+          <a:prstGeom prst="rect">
+            <a:avLst/>
+          </a:prstGeom>
+          <a:ln>
+            <a:solidFill>
+              <a:schemeClr val="tx1"/>
+            </a:solidFill>
+          </a:ln>
+        </p:spPr>
+        <p:txBody>
+          <a:bodyPr wrap="square">
+            <a:spAutoFit/>
+          </a:bodyPr>
+          <a:lstStyle/>
+          <a:p>
+            <a:r>
+              <a:rPr lang="en-US" altLang="ko-KR" sz="1000">
+                <a:solidFill>
+                  <a:srgbClr val="ABB2BF"/>
+                </a:solidFill>
+                <a:latin typeface="+mn-ea"/>
+              </a:rPr>
+              <a:t>&lt;!</a:t>
+            </a:r>
+            <a:r>
+              <a:rPr lang="en-US" altLang="ko-KR" sz="1000">
+                <a:solidFill>
+                  <a:srgbClr val="E06C75"/>
+                </a:solidFill>
+                <a:latin typeface="+mn-ea"/>
+              </a:rPr>
+              <a:t>DOCTYPE</a:t>
+            </a:r>
+            <a:r>
+              <a:rPr lang="en-US" altLang="ko-KR" sz="1000">
+                <a:solidFill>
+                  <a:srgbClr val="ABB2BF"/>
+                </a:solidFill>
+                <a:latin typeface="+mn-ea"/>
+              </a:rPr>
+              <a:t> </a:t>
+            </a:r>
+            <a:r>
+              <a:rPr lang="en-US" altLang="ko-KR" sz="1000">
+                <a:solidFill>
+                  <a:srgbClr val="D19A66"/>
+                </a:solidFill>
+                <a:latin typeface="+mn-ea"/>
+              </a:rPr>
+              <a:t>html</a:t>
+            </a:r>
+            <a:r>
+              <a:rPr lang="en-US" altLang="ko-KR" sz="1000">
+                <a:solidFill>
+                  <a:srgbClr val="ABB2BF"/>
+                </a:solidFill>
+                <a:latin typeface="+mn-ea"/>
+              </a:rPr>
+              <a:t>&gt;</a:t>
+            </a:r>
+          </a:p>
+          <a:p>
+            <a:r>
+              <a:rPr lang="en-US" altLang="ko-KR" sz="1000">
+                <a:solidFill>
+                  <a:srgbClr val="ABB2BF"/>
+                </a:solidFill>
+                <a:latin typeface="+mn-ea"/>
+              </a:rPr>
+              <a:t>&lt;</a:t>
+            </a:r>
+            <a:r>
+              <a:rPr lang="en-US" altLang="ko-KR" sz="1000">
+                <a:solidFill>
+                  <a:srgbClr val="E06C75"/>
+                </a:solidFill>
+                <a:latin typeface="+mn-ea"/>
+              </a:rPr>
+              <a:t>html</a:t>
+            </a:r>
+            <a:r>
+              <a:rPr lang="en-US" altLang="ko-KR" sz="1000">
+                <a:solidFill>
+                  <a:srgbClr val="ABB2BF"/>
+                </a:solidFill>
+                <a:latin typeface="+mn-ea"/>
+              </a:rPr>
+              <a:t> </a:t>
+            </a:r>
+            <a:r>
+              <a:rPr lang="en-US" altLang="ko-KR" sz="1000">
+                <a:solidFill>
+                  <a:srgbClr val="D19A66"/>
+                </a:solidFill>
+                <a:latin typeface="+mn-ea"/>
+              </a:rPr>
+              <a:t>lang</a:t>
+            </a:r>
+            <a:r>
+              <a:rPr lang="en-US" altLang="ko-KR" sz="1000">
+                <a:solidFill>
+                  <a:srgbClr val="ABB2BF"/>
+                </a:solidFill>
+                <a:latin typeface="+mn-ea"/>
+              </a:rPr>
+              <a:t>=</a:t>
+            </a:r>
+            <a:r>
+              <a:rPr lang="en-US" altLang="ko-KR" sz="1000">
+                <a:solidFill>
+                  <a:srgbClr val="98C379"/>
+                </a:solidFill>
+                <a:latin typeface="+mn-ea"/>
+              </a:rPr>
+              <a:t>"ko"</a:t>
+            </a:r>
+            <a:r>
+              <a:rPr lang="en-US" altLang="ko-KR" sz="1000">
+                <a:solidFill>
+                  <a:srgbClr val="ABB2BF"/>
+                </a:solidFill>
+                <a:latin typeface="+mn-ea"/>
+              </a:rPr>
+              <a:t>&gt;</a:t>
+            </a:r>
+          </a:p>
+          <a:p>
+            <a:r>
+              <a:rPr lang="en-US" altLang="ko-KR" sz="1000">
+                <a:solidFill>
+                  <a:srgbClr val="ABB2BF"/>
+                </a:solidFill>
+                <a:latin typeface="+mn-ea"/>
+              </a:rPr>
+              <a:t>&lt;</a:t>
+            </a:r>
+            <a:r>
+              <a:rPr lang="en-US" altLang="ko-KR" sz="1000">
+                <a:solidFill>
+                  <a:srgbClr val="E06C75"/>
+                </a:solidFill>
+                <a:latin typeface="+mn-ea"/>
+              </a:rPr>
+              <a:t>head</a:t>
+            </a:r>
+            <a:r>
+              <a:rPr lang="en-US" altLang="ko-KR" sz="1000">
+                <a:solidFill>
+                  <a:srgbClr val="ABB2BF"/>
+                </a:solidFill>
+                <a:latin typeface="+mn-ea"/>
+              </a:rPr>
+              <a:t>&gt;</a:t>
+            </a:r>
+          </a:p>
+          <a:p>
+            <a:r>
+              <a:rPr lang="en-US" altLang="ko-KR" sz="1000">
+                <a:solidFill>
+                  <a:srgbClr val="ABB2BF"/>
+                </a:solidFill>
+                <a:latin typeface="+mn-ea"/>
+              </a:rPr>
+              <a:t>    &lt;</a:t>
+            </a:r>
+            <a:r>
+              <a:rPr lang="en-US" altLang="ko-KR" sz="1000">
+                <a:solidFill>
+                  <a:srgbClr val="E06C75"/>
+                </a:solidFill>
+                <a:latin typeface="+mn-ea"/>
+              </a:rPr>
+              <a:t>meta</a:t>
+            </a:r>
+            <a:r>
+              <a:rPr lang="en-US" altLang="ko-KR" sz="1000">
+                <a:solidFill>
+                  <a:srgbClr val="ABB2BF"/>
+                </a:solidFill>
+                <a:latin typeface="+mn-ea"/>
+              </a:rPr>
+              <a:t> </a:t>
+            </a:r>
+            <a:r>
+              <a:rPr lang="en-US" altLang="ko-KR" sz="1000">
+                <a:solidFill>
+                  <a:srgbClr val="D19A66"/>
+                </a:solidFill>
+                <a:latin typeface="+mn-ea"/>
+              </a:rPr>
+              <a:t>charset</a:t>
+            </a:r>
+            <a:r>
+              <a:rPr lang="en-US" altLang="ko-KR" sz="1000">
+                <a:solidFill>
+                  <a:srgbClr val="ABB2BF"/>
+                </a:solidFill>
+                <a:latin typeface="+mn-ea"/>
+              </a:rPr>
+              <a:t>=</a:t>
+            </a:r>
+            <a:r>
+              <a:rPr lang="en-US" altLang="ko-KR" sz="1000">
+                <a:solidFill>
+                  <a:srgbClr val="98C379"/>
+                </a:solidFill>
+                <a:latin typeface="+mn-ea"/>
+              </a:rPr>
+              <a:t>"UTF-8"</a:t>
+            </a:r>
+            <a:r>
+              <a:rPr lang="en-US" altLang="ko-KR" sz="1000">
+                <a:solidFill>
+                  <a:srgbClr val="ABB2BF"/>
+                </a:solidFill>
+                <a:latin typeface="+mn-ea"/>
+              </a:rPr>
+              <a:t>&gt;</a:t>
+            </a:r>
+          </a:p>
+          <a:p>
+            <a:r>
+              <a:rPr lang="en-US" altLang="ko-KR" sz="1000">
+                <a:solidFill>
+                  <a:srgbClr val="ABB2BF"/>
+                </a:solidFill>
+                <a:latin typeface="+mn-ea"/>
+              </a:rPr>
+              <a:t>    &lt;</a:t>
+            </a:r>
+            <a:r>
+              <a:rPr lang="en-US" altLang="ko-KR" sz="1000">
+                <a:solidFill>
+                  <a:srgbClr val="E06C75"/>
+                </a:solidFill>
+                <a:latin typeface="+mn-ea"/>
+              </a:rPr>
+              <a:t>meta</a:t>
+            </a:r>
+            <a:r>
+              <a:rPr lang="en-US" altLang="ko-KR" sz="1000">
+                <a:solidFill>
+                  <a:srgbClr val="ABB2BF"/>
+                </a:solidFill>
+                <a:latin typeface="+mn-ea"/>
+              </a:rPr>
+              <a:t> </a:t>
+            </a:r>
+            <a:r>
+              <a:rPr lang="en-US" altLang="ko-KR" sz="1000">
+                <a:solidFill>
+                  <a:srgbClr val="D19A66"/>
+                </a:solidFill>
+                <a:latin typeface="+mn-ea"/>
+              </a:rPr>
+              <a:t>http-equiv</a:t>
+            </a:r>
+            <a:r>
+              <a:rPr lang="en-US" altLang="ko-KR" sz="1000">
+                <a:solidFill>
+                  <a:srgbClr val="ABB2BF"/>
+                </a:solidFill>
+                <a:latin typeface="+mn-ea"/>
+              </a:rPr>
+              <a:t>=</a:t>
+            </a:r>
+            <a:r>
+              <a:rPr lang="en-US" altLang="ko-KR" sz="1000">
+                <a:solidFill>
+                  <a:srgbClr val="98C379"/>
+                </a:solidFill>
+                <a:latin typeface="+mn-ea"/>
+              </a:rPr>
+              <a:t>"X-UA-Compatible"</a:t>
+            </a:r>
+            <a:r>
+              <a:rPr lang="en-US" altLang="ko-KR" sz="1000">
+                <a:solidFill>
+                  <a:srgbClr val="ABB2BF"/>
+                </a:solidFill>
+                <a:latin typeface="+mn-ea"/>
+              </a:rPr>
+              <a:t> </a:t>
+            </a:r>
+            <a:r>
+              <a:rPr lang="en-US" altLang="ko-KR" sz="1000">
+                <a:solidFill>
+                  <a:srgbClr val="D19A66"/>
+                </a:solidFill>
+                <a:latin typeface="+mn-ea"/>
+              </a:rPr>
+              <a:t>content</a:t>
+            </a:r>
+            <a:r>
+              <a:rPr lang="en-US" altLang="ko-KR" sz="1000">
+                <a:solidFill>
+                  <a:srgbClr val="ABB2BF"/>
+                </a:solidFill>
+                <a:latin typeface="+mn-ea"/>
+              </a:rPr>
+              <a:t>=</a:t>
+            </a:r>
+            <a:r>
+              <a:rPr lang="en-US" altLang="ko-KR" sz="1000">
+                <a:solidFill>
+                  <a:srgbClr val="98C379"/>
+                </a:solidFill>
+                <a:latin typeface="+mn-ea"/>
+              </a:rPr>
+              <a:t>"IE=edge"</a:t>
+            </a:r>
+            <a:r>
+              <a:rPr lang="en-US" altLang="ko-KR" sz="1000">
+                <a:solidFill>
+                  <a:srgbClr val="ABB2BF"/>
+                </a:solidFill>
+                <a:latin typeface="+mn-ea"/>
+              </a:rPr>
+              <a:t>&gt;</a:t>
+            </a:r>
+          </a:p>
+          <a:p>
+            <a:r>
+              <a:rPr lang="en-US" altLang="ko-KR" sz="1000">
+                <a:solidFill>
+                  <a:srgbClr val="ABB2BF"/>
+                </a:solidFill>
+                <a:latin typeface="+mn-ea"/>
+              </a:rPr>
+              <a:t>    &lt;</a:t>
+            </a:r>
+            <a:r>
+              <a:rPr lang="en-US" altLang="ko-KR" sz="1000">
+                <a:solidFill>
+                  <a:srgbClr val="E06C75"/>
+                </a:solidFill>
+                <a:latin typeface="+mn-ea"/>
+              </a:rPr>
+              <a:t>meta</a:t>
+            </a:r>
+            <a:r>
+              <a:rPr lang="en-US" altLang="ko-KR" sz="1000">
+                <a:solidFill>
+                  <a:srgbClr val="ABB2BF"/>
+                </a:solidFill>
+                <a:latin typeface="+mn-ea"/>
+              </a:rPr>
+              <a:t> </a:t>
+            </a:r>
+            <a:r>
+              <a:rPr lang="en-US" altLang="ko-KR" sz="1000">
+                <a:solidFill>
+                  <a:srgbClr val="D19A66"/>
+                </a:solidFill>
+                <a:latin typeface="+mn-ea"/>
+              </a:rPr>
+              <a:t>name</a:t>
+            </a:r>
+            <a:r>
+              <a:rPr lang="en-US" altLang="ko-KR" sz="1000">
+                <a:solidFill>
+                  <a:srgbClr val="ABB2BF"/>
+                </a:solidFill>
+                <a:latin typeface="+mn-ea"/>
+              </a:rPr>
+              <a:t>=</a:t>
+            </a:r>
+            <a:r>
+              <a:rPr lang="en-US" altLang="ko-KR" sz="1000">
+                <a:solidFill>
+                  <a:srgbClr val="98C379"/>
+                </a:solidFill>
+                <a:latin typeface="+mn-ea"/>
+              </a:rPr>
+              <a:t>"viewport"</a:t>
+            </a:r>
+            <a:r>
+              <a:rPr lang="en-US" altLang="ko-KR" sz="1000">
+                <a:solidFill>
+                  <a:srgbClr val="ABB2BF"/>
+                </a:solidFill>
+                <a:latin typeface="+mn-ea"/>
+              </a:rPr>
+              <a:t> </a:t>
+            </a:r>
+            <a:r>
+              <a:rPr lang="en-US" altLang="ko-KR" sz="1000">
+                <a:solidFill>
+                  <a:srgbClr val="D19A66"/>
+                </a:solidFill>
+                <a:latin typeface="+mn-ea"/>
+              </a:rPr>
+              <a:t>content</a:t>
+            </a:r>
+            <a:r>
+              <a:rPr lang="en-US" altLang="ko-KR" sz="1000">
+                <a:solidFill>
+                  <a:srgbClr val="ABB2BF"/>
+                </a:solidFill>
+                <a:latin typeface="+mn-ea"/>
+              </a:rPr>
+              <a:t>=</a:t>
+            </a:r>
+            <a:r>
+              <a:rPr lang="en-US" altLang="ko-KR" sz="1000">
+                <a:solidFill>
+                  <a:srgbClr val="98C379"/>
+                </a:solidFill>
+                <a:latin typeface="+mn-ea"/>
+              </a:rPr>
+              <a:t>"width=device-width, initial-scale=1.0"</a:t>
+            </a:r>
+            <a:r>
+              <a:rPr lang="en-US" altLang="ko-KR" sz="1000">
+                <a:solidFill>
+                  <a:srgbClr val="ABB2BF"/>
+                </a:solidFill>
+                <a:latin typeface="+mn-ea"/>
+              </a:rPr>
+              <a:t>&gt;</a:t>
+            </a:r>
+          </a:p>
+          <a:p>
+            <a:r>
+              <a:rPr lang="en-US" altLang="ko-KR" sz="1000">
+                <a:solidFill>
+                  <a:srgbClr val="ABB2BF"/>
+                </a:solidFill>
+                <a:latin typeface="+mn-ea"/>
+              </a:rPr>
+              <a:t>    &lt;</a:t>
+            </a:r>
+            <a:r>
+              <a:rPr lang="en-US" altLang="ko-KR" sz="1000">
+                <a:solidFill>
+                  <a:srgbClr val="E06C75"/>
+                </a:solidFill>
+                <a:latin typeface="+mn-ea"/>
+              </a:rPr>
+              <a:t>title</a:t>
+            </a:r>
+            <a:r>
+              <a:rPr lang="en-US" altLang="ko-KR" sz="1000">
+                <a:solidFill>
+                  <a:srgbClr val="ABB2BF"/>
+                </a:solidFill>
+                <a:latin typeface="+mn-ea"/>
+              </a:rPr>
+              <a:t>&gt;</a:t>
+            </a:r>
+            <a:r>
+              <a:rPr lang="ko-KR" altLang="en-US" sz="1000">
+                <a:solidFill>
+                  <a:srgbClr val="ABB2BF"/>
+                </a:solidFill>
+                <a:latin typeface="+mn-ea"/>
+              </a:rPr>
+              <a:t>링크의 </a:t>
+            </a:r>
+            <a:r>
+              <a:rPr lang="en-US" altLang="ko-KR" sz="1000">
+                <a:solidFill>
+                  <a:srgbClr val="ABB2BF"/>
+                </a:solidFill>
+                <a:latin typeface="+mn-ea"/>
+              </a:rPr>
+              <a:t>target </a:t>
+            </a:r>
+            <a:r>
+              <a:rPr lang="ko-KR" altLang="en-US" sz="1000">
+                <a:solidFill>
+                  <a:srgbClr val="ABB2BF"/>
+                </a:solidFill>
+                <a:latin typeface="+mn-ea"/>
+              </a:rPr>
+              <a:t>속성 활용</a:t>
+            </a:r>
+            <a:r>
+              <a:rPr lang="en-US" altLang="ko-KR" sz="1000">
+                <a:solidFill>
+                  <a:srgbClr val="ABB2BF"/>
+                </a:solidFill>
+                <a:latin typeface="+mn-ea"/>
+              </a:rPr>
+              <a:t>&lt;/</a:t>
+            </a:r>
+            <a:r>
+              <a:rPr lang="en-US" altLang="ko-KR" sz="1000">
+                <a:solidFill>
+                  <a:srgbClr val="E06C75"/>
+                </a:solidFill>
+                <a:latin typeface="+mn-ea"/>
+              </a:rPr>
+              <a:t>title</a:t>
+            </a:r>
+            <a:r>
+              <a:rPr lang="en-US" altLang="ko-KR" sz="1000">
+                <a:solidFill>
+                  <a:srgbClr val="ABB2BF"/>
+                </a:solidFill>
+                <a:latin typeface="+mn-ea"/>
+              </a:rPr>
+              <a:t>&gt;</a:t>
+            </a:r>
+          </a:p>
+          <a:p>
+            <a:r>
+              <a:rPr lang="en-US" altLang="ko-KR" sz="1000">
+                <a:solidFill>
+                  <a:srgbClr val="ABB2BF"/>
+                </a:solidFill>
+                <a:latin typeface="+mn-ea"/>
+              </a:rPr>
+              <a:t>&lt;/</a:t>
+            </a:r>
+            <a:r>
+              <a:rPr lang="en-US" altLang="ko-KR" sz="1000">
+                <a:solidFill>
+                  <a:srgbClr val="E06C75"/>
+                </a:solidFill>
+                <a:latin typeface="+mn-ea"/>
+              </a:rPr>
+              <a:t>head</a:t>
+            </a:r>
+            <a:r>
+              <a:rPr lang="en-US" altLang="ko-KR" sz="1000">
+                <a:solidFill>
+                  <a:srgbClr val="ABB2BF"/>
+                </a:solidFill>
+                <a:latin typeface="+mn-ea"/>
+              </a:rPr>
+              <a:t>&gt;</a:t>
+            </a:r>
+          </a:p>
+          <a:p>
+            <a:r>
+              <a:rPr lang="en-US" altLang="ko-KR" sz="1000">
+                <a:solidFill>
+                  <a:srgbClr val="ABB2BF"/>
+                </a:solidFill>
+                <a:latin typeface="+mn-ea"/>
+              </a:rPr>
+              <a:t>&lt;</a:t>
+            </a:r>
+            <a:r>
+              <a:rPr lang="en-US" altLang="ko-KR" sz="1000">
+                <a:solidFill>
+                  <a:srgbClr val="E06C75"/>
+                </a:solidFill>
+                <a:latin typeface="+mn-ea"/>
+              </a:rPr>
+              <a:t>body</a:t>
+            </a:r>
+            <a:r>
+              <a:rPr lang="en-US" altLang="ko-KR" sz="1000">
+                <a:solidFill>
+                  <a:srgbClr val="ABB2BF"/>
+                </a:solidFill>
+                <a:latin typeface="+mn-ea"/>
+              </a:rPr>
+              <a:t>&gt;</a:t>
+            </a:r>
+          </a:p>
+          <a:p>
+            <a:r>
+              <a:rPr lang="en-US" altLang="ko-KR" sz="1000">
+                <a:solidFill>
+                  <a:srgbClr val="ABB2BF"/>
+                </a:solidFill>
+                <a:latin typeface="+mn-ea"/>
+              </a:rPr>
+              <a:t>    &lt;</a:t>
+            </a:r>
+            <a:r>
+              <a:rPr lang="en-US" altLang="ko-KR" sz="1000">
+                <a:solidFill>
+                  <a:srgbClr val="E06C75"/>
+                </a:solidFill>
+                <a:latin typeface="+mn-ea"/>
+              </a:rPr>
+              <a:t>h3</a:t>
+            </a:r>
+            <a:r>
+              <a:rPr lang="en-US" altLang="ko-KR" sz="1000">
+                <a:solidFill>
+                  <a:srgbClr val="ABB2BF"/>
+                </a:solidFill>
+                <a:latin typeface="+mn-ea"/>
+              </a:rPr>
+              <a:t>&gt;</a:t>
+            </a:r>
+            <a:r>
+              <a:rPr lang="ko-KR" altLang="en-US" sz="1000">
+                <a:solidFill>
+                  <a:srgbClr val="ABB2BF"/>
+                </a:solidFill>
+                <a:latin typeface="+mn-ea"/>
+              </a:rPr>
+              <a:t>링크의 </a:t>
+            </a:r>
+            <a:r>
+              <a:rPr lang="en-US" altLang="ko-KR" sz="1000">
+                <a:solidFill>
+                  <a:srgbClr val="ABB2BF"/>
+                </a:solidFill>
+                <a:latin typeface="+mn-ea"/>
+              </a:rPr>
+              <a:t>target </a:t>
+            </a:r>
+            <a:r>
+              <a:rPr lang="ko-KR" altLang="en-US" sz="1000">
+                <a:solidFill>
+                  <a:srgbClr val="ABB2BF"/>
+                </a:solidFill>
+                <a:latin typeface="+mn-ea"/>
+              </a:rPr>
+              <a:t>속성 활용</a:t>
+            </a:r>
+            <a:r>
+              <a:rPr lang="en-US" altLang="ko-KR" sz="1000">
+                <a:solidFill>
+                  <a:srgbClr val="ABB2BF"/>
+                </a:solidFill>
+                <a:latin typeface="+mn-ea"/>
+              </a:rPr>
+              <a:t>&lt;/</a:t>
+            </a:r>
+            <a:r>
+              <a:rPr lang="en-US" altLang="ko-KR" sz="1000">
+                <a:solidFill>
+                  <a:srgbClr val="E06C75"/>
+                </a:solidFill>
+                <a:latin typeface="+mn-ea"/>
+              </a:rPr>
+              <a:t>h3</a:t>
+            </a:r>
+            <a:r>
+              <a:rPr lang="en-US" altLang="ko-KR" sz="1000">
+                <a:solidFill>
+                  <a:srgbClr val="ABB2BF"/>
+                </a:solidFill>
+                <a:latin typeface="+mn-ea"/>
+              </a:rPr>
+              <a:t>&gt;</a:t>
+            </a:r>
+          </a:p>
+          <a:p>
+            <a:r>
+              <a:rPr lang="en-US" altLang="ko-KR" sz="1000">
+                <a:solidFill>
+                  <a:srgbClr val="ABB2BF"/>
+                </a:solidFill>
+                <a:latin typeface="+mn-ea"/>
+              </a:rPr>
+              <a:t>    &lt;</a:t>
+            </a:r>
+            <a:r>
+              <a:rPr lang="en-US" altLang="ko-KR" sz="1000">
+                <a:solidFill>
+                  <a:srgbClr val="E06C75"/>
+                </a:solidFill>
+                <a:latin typeface="+mn-ea"/>
+              </a:rPr>
+              <a:t>hr</a:t>
+            </a:r>
+            <a:r>
+              <a:rPr lang="en-US" altLang="ko-KR" sz="1000">
+                <a:solidFill>
+                  <a:srgbClr val="ABB2BF"/>
+                </a:solidFill>
+                <a:latin typeface="+mn-ea"/>
+              </a:rPr>
+              <a:t>&gt;</a:t>
+            </a:r>
+          </a:p>
+          <a:p>
+            <a:r>
+              <a:rPr lang="en-US" altLang="ko-KR" sz="1000">
+                <a:solidFill>
+                  <a:srgbClr val="ABB2BF"/>
+                </a:solidFill>
+                <a:latin typeface="+mn-ea"/>
+              </a:rPr>
+              <a:t>    &lt;</a:t>
+            </a:r>
+            <a:r>
+              <a:rPr lang="en-US" altLang="ko-KR" sz="1000">
+                <a:solidFill>
+                  <a:srgbClr val="E06C75"/>
+                </a:solidFill>
+                <a:latin typeface="+mn-ea"/>
+              </a:rPr>
+              <a:t>ul</a:t>
+            </a:r>
+            <a:r>
+              <a:rPr lang="en-US" altLang="ko-KR" sz="1000">
+                <a:solidFill>
+                  <a:srgbClr val="ABB2BF"/>
+                </a:solidFill>
+                <a:latin typeface="+mn-ea"/>
+              </a:rPr>
+              <a:t>&gt;</a:t>
+            </a:r>
+          </a:p>
+          <a:p>
+            <a:r>
+              <a:rPr lang="en-US" altLang="ko-KR" sz="1000">
+                <a:solidFill>
+                  <a:srgbClr val="ABB2BF"/>
+                </a:solidFill>
+                <a:latin typeface="+mn-ea"/>
+              </a:rPr>
+              <a:t>        </a:t>
+            </a:r>
+            <a:r>
+              <a:rPr lang="en-US" altLang="ko-KR" sz="1000" i="1">
+                <a:solidFill>
+                  <a:srgbClr val="5C6370"/>
+                </a:solidFill>
+                <a:latin typeface="+mn-ea"/>
+              </a:rPr>
+              <a:t>&lt;!-- </a:t>
+            </a:r>
+            <a:endParaRPr lang="en-US" altLang="ko-KR" sz="1000">
+              <a:solidFill>
+                <a:srgbClr val="ABB2BF"/>
+              </a:solidFill>
+              <a:latin typeface="+mn-ea"/>
+            </a:endParaRPr>
+          </a:p>
+          <a:p>
+            <a:r>
+              <a:rPr lang="en-US" altLang="ko-KR" sz="1000" i="1">
+                <a:solidFill>
+                  <a:srgbClr val="5C6370"/>
+                </a:solidFill>
+                <a:latin typeface="+mn-ea"/>
+              </a:rPr>
+              <a:t>            &lt;base&gt; &lt;a&gt; &lt;area&gt; &lt;form&gt; </a:t>
+            </a:r>
+            <a:r>
+              <a:rPr lang="ko-KR" altLang="en-US" sz="1000" i="1">
+                <a:solidFill>
+                  <a:srgbClr val="5C6370"/>
+                </a:solidFill>
+                <a:latin typeface="+mn-ea"/>
+              </a:rPr>
+              <a:t>태그에서 페이지 출력할 윈도우 지정</a:t>
+            </a:r>
+            <a:endParaRPr lang="ko-KR" altLang="en-US" sz="1000">
+              <a:solidFill>
+                <a:srgbClr val="ABB2BF"/>
+              </a:solidFill>
+              <a:latin typeface="+mn-ea"/>
+            </a:endParaRPr>
+          </a:p>
+          <a:p>
+            <a:r>
+              <a:rPr lang="ko-KR" altLang="en-US" sz="1000" i="1">
+                <a:solidFill>
+                  <a:srgbClr val="5C6370"/>
+                </a:solidFill>
+                <a:latin typeface="+mn-ea"/>
+              </a:rPr>
+              <a:t>            </a:t>
+            </a:r>
+            <a:r>
+              <a:rPr lang="en-US" altLang="ko-KR" sz="1000" i="1">
+                <a:solidFill>
+                  <a:srgbClr val="5C6370"/>
+                </a:solidFill>
+                <a:latin typeface="+mn-ea"/>
+              </a:rPr>
+              <a:t>_blank : </a:t>
+            </a:r>
+            <a:r>
+              <a:rPr lang="ko-KR" altLang="en-US" sz="1000" i="1">
+                <a:solidFill>
+                  <a:srgbClr val="5C6370"/>
+                </a:solidFill>
+                <a:latin typeface="+mn-ea"/>
+              </a:rPr>
+              <a:t>새로운 브라우저 탭 생성</a:t>
+            </a:r>
+            <a:endParaRPr lang="ko-KR" altLang="en-US" sz="1000">
+              <a:solidFill>
+                <a:srgbClr val="ABB2BF"/>
+              </a:solidFill>
+              <a:latin typeface="+mn-ea"/>
+            </a:endParaRPr>
+          </a:p>
+          <a:p>
+            <a:r>
+              <a:rPr lang="ko-KR" altLang="en-US" sz="1000" i="1">
+                <a:solidFill>
+                  <a:srgbClr val="5C6370"/>
+                </a:solidFill>
+                <a:latin typeface="+mn-ea"/>
+              </a:rPr>
+              <a:t>            </a:t>
+            </a:r>
+            <a:r>
+              <a:rPr lang="en-US" altLang="ko-KR" sz="1000" i="1">
+                <a:solidFill>
+                  <a:srgbClr val="5C6370"/>
+                </a:solidFill>
+                <a:latin typeface="+mn-ea"/>
+              </a:rPr>
+              <a:t>_self : </a:t>
+            </a:r>
+            <a:r>
+              <a:rPr lang="ko-KR" altLang="en-US" sz="1000" i="1">
+                <a:solidFill>
+                  <a:srgbClr val="5C6370"/>
+                </a:solidFill>
+                <a:latin typeface="+mn-ea"/>
+              </a:rPr>
+              <a:t>현재 윈도우</a:t>
+            </a:r>
+            <a:endParaRPr lang="ko-KR" altLang="en-US" sz="1000">
+              <a:solidFill>
+                <a:srgbClr val="ABB2BF"/>
+              </a:solidFill>
+              <a:latin typeface="+mn-ea"/>
+            </a:endParaRPr>
+          </a:p>
+          <a:p>
+            <a:r>
+              <a:rPr lang="ko-KR" altLang="en-US" sz="1000" i="1">
+                <a:solidFill>
+                  <a:srgbClr val="5C6370"/>
+                </a:solidFill>
+                <a:latin typeface="+mn-ea"/>
+              </a:rPr>
+              <a:t>            </a:t>
+            </a:r>
+            <a:r>
+              <a:rPr lang="en-US" altLang="ko-KR" sz="1000" i="1">
+                <a:solidFill>
+                  <a:srgbClr val="5C6370"/>
+                </a:solidFill>
+                <a:latin typeface="+mn-ea"/>
+              </a:rPr>
+              <a:t>_parent : </a:t>
+            </a:r>
+            <a:r>
+              <a:rPr lang="ko-KR" altLang="en-US" sz="1000" i="1">
+                <a:solidFill>
+                  <a:srgbClr val="5C6370"/>
+                </a:solidFill>
+                <a:latin typeface="+mn-ea"/>
+              </a:rPr>
+              <a:t>최상위 브라우저 윈도우</a:t>
+            </a:r>
+            <a:endParaRPr lang="ko-KR" altLang="en-US" sz="1000">
+              <a:solidFill>
+                <a:srgbClr val="ABB2BF"/>
+              </a:solidFill>
+              <a:latin typeface="+mn-ea"/>
+            </a:endParaRPr>
+          </a:p>
+          <a:p>
+            <a:r>
+              <a:rPr lang="ko-KR" altLang="en-US" sz="1000" i="1">
+                <a:solidFill>
+                  <a:srgbClr val="5C6370"/>
+                </a:solidFill>
+                <a:latin typeface="+mn-ea"/>
+              </a:rPr>
+              <a:t>            </a:t>
+            </a:r>
+            <a:r>
+              <a:rPr lang="en-US" altLang="ko-KR" sz="1000" i="1">
+                <a:solidFill>
+                  <a:srgbClr val="5C6370"/>
+                </a:solidFill>
+                <a:latin typeface="+mn-ea"/>
+              </a:rPr>
+              <a:t>_top : </a:t>
+            </a:r>
+            <a:r>
+              <a:rPr lang="ko-KR" altLang="en-US" sz="1000" i="1">
+                <a:solidFill>
+                  <a:srgbClr val="5C6370"/>
+                </a:solidFill>
+                <a:latin typeface="+mn-ea"/>
+              </a:rPr>
+              <a:t>최상위 브라우저 윈도우</a:t>
+            </a:r>
+            <a:endParaRPr lang="ko-KR" altLang="en-US" sz="1000">
+              <a:solidFill>
+                <a:srgbClr val="ABB2BF"/>
+              </a:solidFill>
+              <a:latin typeface="+mn-ea"/>
+            </a:endParaRPr>
+          </a:p>
+          <a:p>
+            <a:r>
+              <a:rPr lang="ko-KR" altLang="en-US" sz="1000" i="1">
+                <a:solidFill>
+                  <a:srgbClr val="5C6370"/>
+                </a:solidFill>
+                <a:latin typeface="+mn-ea"/>
+              </a:rPr>
+              <a:t>            윈도우 이름 </a:t>
+            </a:r>
+            <a:r>
+              <a:rPr lang="en-US" altLang="ko-KR" sz="1000" i="1">
+                <a:solidFill>
+                  <a:srgbClr val="5C6370"/>
+                </a:solidFill>
+                <a:latin typeface="+mn-ea"/>
+              </a:rPr>
+              <a:t>: _</a:t>
+            </a:r>
+            <a:r>
+              <a:rPr lang="ko-KR" altLang="en-US" sz="1000" i="1">
+                <a:solidFill>
+                  <a:srgbClr val="5C6370"/>
+                </a:solidFill>
+                <a:latin typeface="+mn-ea"/>
+              </a:rPr>
+              <a:t>대상 윈도우 이름</a:t>
+            </a:r>
+            <a:endParaRPr lang="ko-KR" altLang="en-US" sz="1000">
+              <a:solidFill>
+                <a:srgbClr val="ABB2BF"/>
+              </a:solidFill>
+              <a:latin typeface="+mn-ea"/>
+            </a:endParaRPr>
+          </a:p>
+          <a:p>
+            <a:r>
+              <a:rPr lang="ko-KR" altLang="en-US" sz="1000" i="1">
+                <a:solidFill>
+                  <a:srgbClr val="5C6370"/>
+                </a:solidFill>
+                <a:latin typeface="+mn-ea"/>
+              </a:rPr>
+              <a:t>         </a:t>
+            </a:r>
+            <a:r>
+              <a:rPr lang="en-US" altLang="ko-KR" sz="1000" i="1">
+                <a:solidFill>
+                  <a:srgbClr val="5C6370"/>
+                </a:solidFill>
+                <a:latin typeface="+mn-ea"/>
+              </a:rPr>
+              <a:t>--&gt;</a:t>
+            </a:r>
+            <a:endParaRPr lang="ko-KR" altLang="en-US" sz="1000">
+              <a:solidFill>
+                <a:srgbClr val="ABB2BF"/>
+              </a:solidFill>
+              <a:latin typeface="+mn-ea"/>
+            </a:endParaRPr>
+          </a:p>
+          <a:p>
+            <a:r>
+              <a:rPr lang="ko-KR" altLang="en-US" sz="1000">
+                <a:solidFill>
+                  <a:srgbClr val="ABB2BF"/>
+                </a:solidFill>
+                <a:latin typeface="+mn-ea"/>
+              </a:rPr>
+              <a:t>         </a:t>
+            </a:r>
+            <a:r>
+              <a:rPr lang="en-US" altLang="ko-KR" sz="1000">
+                <a:solidFill>
+                  <a:srgbClr val="ABB2BF"/>
+                </a:solidFill>
+                <a:latin typeface="+mn-ea"/>
+              </a:rPr>
+              <a:t>&lt;</a:t>
+            </a:r>
+            <a:r>
+              <a:rPr lang="en-US" altLang="ko-KR" sz="1000">
+                <a:solidFill>
+                  <a:srgbClr val="E06C75"/>
+                </a:solidFill>
+                <a:latin typeface="+mn-ea"/>
+              </a:rPr>
+              <a:t>li</a:t>
+            </a:r>
+            <a:r>
+              <a:rPr lang="en-US" altLang="ko-KR" sz="1000">
+                <a:solidFill>
+                  <a:srgbClr val="ABB2BF"/>
+                </a:solidFill>
+                <a:latin typeface="+mn-ea"/>
+              </a:rPr>
+              <a:t>&gt;&lt;</a:t>
+            </a:r>
+            <a:r>
+              <a:rPr lang="en-US" altLang="ko-KR" sz="1000">
+                <a:solidFill>
+                  <a:srgbClr val="E06C75"/>
+                </a:solidFill>
+                <a:latin typeface="+mn-ea"/>
+              </a:rPr>
+              <a:t>a</a:t>
+            </a:r>
+            <a:r>
+              <a:rPr lang="en-US" altLang="ko-KR" sz="1000">
+                <a:solidFill>
+                  <a:srgbClr val="ABB2BF"/>
+                </a:solidFill>
+                <a:latin typeface="+mn-ea"/>
+              </a:rPr>
+              <a:t> </a:t>
+            </a:r>
+            <a:r>
+              <a:rPr lang="en-US" altLang="ko-KR" sz="1000">
+                <a:solidFill>
+                  <a:srgbClr val="D19A66"/>
+                </a:solidFill>
+                <a:latin typeface="+mn-ea"/>
+              </a:rPr>
+              <a:t>href</a:t>
+            </a:r>
+            <a:r>
+              <a:rPr lang="en-US" altLang="ko-KR" sz="1000">
+                <a:solidFill>
+                  <a:srgbClr val="ABB2BF"/>
+                </a:solidFill>
+                <a:latin typeface="+mn-ea"/>
+              </a:rPr>
+              <a:t>=</a:t>
+            </a:r>
+            <a:r>
+              <a:rPr lang="en-US" altLang="ko-KR" sz="1000">
+                <a:solidFill>
+                  <a:srgbClr val="98C379"/>
+                </a:solidFill>
+                <a:latin typeface="+mn-ea"/>
+              </a:rPr>
+              <a:t>"http://www.w3.org"</a:t>
+            </a:r>
+            <a:endParaRPr lang="en-US" altLang="ko-KR" sz="1000">
+              <a:solidFill>
+                <a:srgbClr val="ABB2BF"/>
+              </a:solidFill>
+              <a:latin typeface="+mn-ea"/>
+            </a:endParaRPr>
+          </a:p>
+          <a:p>
+            <a:r>
+              <a:rPr lang="en-US" altLang="ko-KR" sz="1000">
+                <a:solidFill>
+                  <a:srgbClr val="ABB2BF"/>
+                </a:solidFill>
+                <a:latin typeface="+mn-ea"/>
+              </a:rPr>
+              <a:t>            </a:t>
+            </a:r>
+            <a:r>
+              <a:rPr lang="en-US" altLang="ko-KR" sz="1000">
+                <a:solidFill>
+                  <a:srgbClr val="D19A66"/>
+                </a:solidFill>
+                <a:latin typeface="+mn-ea"/>
+              </a:rPr>
+              <a:t>target</a:t>
+            </a:r>
+            <a:r>
+              <a:rPr lang="en-US" altLang="ko-KR" sz="1000">
+                <a:solidFill>
+                  <a:srgbClr val="ABB2BF"/>
+                </a:solidFill>
+                <a:latin typeface="+mn-ea"/>
+              </a:rPr>
+              <a:t>=</a:t>
+            </a:r>
+            <a:r>
+              <a:rPr lang="en-US" altLang="ko-KR" sz="1000">
+                <a:solidFill>
+                  <a:srgbClr val="98C379"/>
+                </a:solidFill>
+                <a:latin typeface="+mn-ea"/>
+              </a:rPr>
+              <a:t>"_blank"</a:t>
+            </a:r>
+            <a:r>
+              <a:rPr lang="en-US" altLang="ko-KR" sz="1000">
+                <a:solidFill>
+                  <a:srgbClr val="ABB2BF"/>
+                </a:solidFill>
+                <a:latin typeface="+mn-ea"/>
+              </a:rPr>
+              <a:t>&gt;W3C(</a:t>
+            </a:r>
+            <a:r>
+              <a:rPr lang="ko-KR" altLang="en-US" sz="1000">
+                <a:solidFill>
+                  <a:srgbClr val="ABB2BF"/>
+                </a:solidFill>
+                <a:latin typeface="+mn-ea"/>
+              </a:rPr>
+              <a:t>새 윈도우</a:t>
+            </a:r>
+            <a:r>
+              <a:rPr lang="en-US" altLang="ko-KR" sz="1000">
+                <a:solidFill>
+                  <a:srgbClr val="ABB2BF"/>
+                </a:solidFill>
+                <a:latin typeface="+mn-ea"/>
+              </a:rPr>
+              <a:t>, _blank)&lt;/</a:t>
+            </a:r>
+            <a:r>
+              <a:rPr lang="en-US" altLang="ko-KR" sz="1000">
+                <a:solidFill>
+                  <a:srgbClr val="E06C75"/>
+                </a:solidFill>
+                <a:latin typeface="+mn-ea"/>
+              </a:rPr>
+              <a:t>a</a:t>
+            </a:r>
+            <a:r>
+              <a:rPr lang="en-US" altLang="ko-KR" sz="1000">
+                <a:solidFill>
+                  <a:srgbClr val="ABB2BF"/>
+                </a:solidFill>
+                <a:latin typeface="+mn-ea"/>
+              </a:rPr>
+              <a:t>&gt;&lt;/</a:t>
+            </a:r>
+            <a:r>
+              <a:rPr lang="en-US" altLang="ko-KR" sz="1000">
+                <a:solidFill>
+                  <a:srgbClr val="E06C75"/>
+                </a:solidFill>
+                <a:latin typeface="+mn-ea"/>
+              </a:rPr>
+              <a:t>li</a:t>
+            </a:r>
+            <a:r>
+              <a:rPr lang="en-US" altLang="ko-KR" sz="1000">
+                <a:solidFill>
+                  <a:srgbClr val="ABB2BF"/>
+                </a:solidFill>
+                <a:latin typeface="+mn-ea"/>
+              </a:rPr>
+              <a:t>&gt;</a:t>
+            </a:r>
+          </a:p>
+          <a:p>
+            <a:r>
+              <a:rPr lang="en-US" altLang="ko-KR" sz="1000">
+                <a:solidFill>
+                  <a:srgbClr val="ABB2BF"/>
+                </a:solidFill>
+                <a:latin typeface="+mn-ea"/>
+              </a:rPr>
+              <a:t>        &lt;</a:t>
+            </a:r>
+            <a:r>
+              <a:rPr lang="en-US" altLang="ko-KR" sz="1000">
+                <a:solidFill>
+                  <a:srgbClr val="E06C75"/>
+                </a:solidFill>
+                <a:latin typeface="+mn-ea"/>
+              </a:rPr>
+              <a:t>li</a:t>
+            </a:r>
+            <a:r>
+              <a:rPr lang="en-US" altLang="ko-KR" sz="1000">
+                <a:solidFill>
+                  <a:srgbClr val="ABB2BF"/>
+                </a:solidFill>
+                <a:latin typeface="+mn-ea"/>
+              </a:rPr>
+              <a:t>&gt;&lt;</a:t>
+            </a:r>
+            <a:r>
+              <a:rPr lang="en-US" altLang="ko-KR" sz="1000">
+                <a:solidFill>
+                  <a:srgbClr val="E06C75"/>
+                </a:solidFill>
+                <a:latin typeface="+mn-ea"/>
+              </a:rPr>
+              <a:t>a</a:t>
+            </a:r>
+            <a:r>
+              <a:rPr lang="en-US" altLang="ko-KR" sz="1000">
+                <a:solidFill>
+                  <a:srgbClr val="ABB2BF"/>
+                </a:solidFill>
+                <a:latin typeface="+mn-ea"/>
+              </a:rPr>
+              <a:t> </a:t>
+            </a:r>
+            <a:r>
+              <a:rPr lang="en-US" altLang="ko-KR" sz="1000">
+                <a:solidFill>
+                  <a:srgbClr val="D19A66"/>
+                </a:solidFill>
+                <a:latin typeface="+mn-ea"/>
+              </a:rPr>
+              <a:t>href</a:t>
+            </a:r>
+            <a:r>
+              <a:rPr lang="en-US" altLang="ko-KR" sz="1000">
+                <a:solidFill>
+                  <a:srgbClr val="ABB2BF"/>
+                </a:solidFill>
+                <a:latin typeface="+mn-ea"/>
+              </a:rPr>
+              <a:t>=</a:t>
+            </a:r>
+            <a:r>
+              <a:rPr lang="en-US" altLang="ko-KR" sz="1000">
+                <a:solidFill>
+                  <a:srgbClr val="98C379"/>
+                </a:solidFill>
+                <a:latin typeface="+mn-ea"/>
+              </a:rPr>
+              <a:t>"http://www.etnews.com"</a:t>
+            </a:r>
+            <a:endParaRPr lang="en-US" altLang="ko-KR" sz="1000">
+              <a:solidFill>
+                <a:srgbClr val="ABB2BF"/>
+              </a:solidFill>
+              <a:latin typeface="+mn-ea"/>
+            </a:endParaRPr>
+          </a:p>
+          <a:p>
+            <a:r>
+              <a:rPr lang="en-US" altLang="ko-KR" sz="1000">
+                <a:solidFill>
+                  <a:srgbClr val="ABB2BF"/>
+                </a:solidFill>
+                <a:latin typeface="+mn-ea"/>
+              </a:rPr>
+              <a:t>            </a:t>
+            </a:r>
+            <a:r>
+              <a:rPr lang="en-US" altLang="ko-KR" sz="1000">
+                <a:solidFill>
+                  <a:srgbClr val="D19A66"/>
+                </a:solidFill>
+                <a:latin typeface="+mn-ea"/>
+              </a:rPr>
+              <a:t>target</a:t>
+            </a:r>
+            <a:r>
+              <a:rPr lang="en-US" altLang="ko-KR" sz="1000">
+                <a:solidFill>
+                  <a:srgbClr val="ABB2BF"/>
+                </a:solidFill>
+                <a:latin typeface="+mn-ea"/>
+              </a:rPr>
+              <a:t>=</a:t>
+            </a:r>
+            <a:r>
+              <a:rPr lang="en-US" altLang="ko-KR" sz="1000">
+                <a:solidFill>
+                  <a:srgbClr val="98C379"/>
+                </a:solidFill>
+                <a:latin typeface="+mn-ea"/>
+              </a:rPr>
+              <a:t>"_self"</a:t>
+            </a:r>
+            <a:r>
+              <a:rPr lang="en-US" altLang="ko-KR" sz="1000">
+                <a:solidFill>
+                  <a:srgbClr val="ABB2BF"/>
+                </a:solidFill>
+                <a:latin typeface="+mn-ea"/>
+              </a:rPr>
+              <a:t>&gt;</a:t>
+            </a:r>
+            <a:r>
+              <a:rPr lang="ko-KR" altLang="en-US" sz="1000">
+                <a:solidFill>
+                  <a:srgbClr val="ABB2BF"/>
+                </a:solidFill>
+                <a:latin typeface="+mn-ea"/>
+              </a:rPr>
+              <a:t>전자신문</a:t>
+            </a:r>
+            <a:r>
+              <a:rPr lang="en-US" altLang="ko-KR" sz="1000">
+                <a:solidFill>
+                  <a:srgbClr val="ABB2BF"/>
+                </a:solidFill>
+                <a:latin typeface="+mn-ea"/>
+              </a:rPr>
+              <a:t>(</a:t>
+            </a:r>
+            <a:r>
+              <a:rPr lang="ko-KR" altLang="en-US" sz="1000">
+                <a:solidFill>
+                  <a:srgbClr val="ABB2BF"/>
+                </a:solidFill>
+                <a:latin typeface="+mn-ea"/>
+              </a:rPr>
+              <a:t>현재 윈도우</a:t>
+            </a:r>
+            <a:r>
+              <a:rPr lang="en-US" altLang="ko-KR" sz="1000">
+                <a:solidFill>
+                  <a:srgbClr val="ABB2BF"/>
+                </a:solidFill>
+                <a:latin typeface="+mn-ea"/>
+              </a:rPr>
+              <a:t>, _self)&lt;/</a:t>
+            </a:r>
+            <a:r>
+              <a:rPr lang="en-US" altLang="ko-KR" sz="1000">
+                <a:solidFill>
+                  <a:srgbClr val="E06C75"/>
+                </a:solidFill>
+                <a:latin typeface="+mn-ea"/>
+              </a:rPr>
+              <a:t>a</a:t>
+            </a:r>
+            <a:r>
+              <a:rPr lang="en-US" altLang="ko-KR" sz="1000">
+                <a:solidFill>
+                  <a:srgbClr val="ABB2BF"/>
+                </a:solidFill>
+                <a:latin typeface="+mn-ea"/>
+              </a:rPr>
+              <a:t>&gt;&lt;/</a:t>
+            </a:r>
+            <a:r>
+              <a:rPr lang="en-US" altLang="ko-KR" sz="1000">
+                <a:solidFill>
+                  <a:srgbClr val="E06C75"/>
+                </a:solidFill>
+                <a:latin typeface="+mn-ea"/>
+              </a:rPr>
+              <a:t>li</a:t>
+            </a:r>
+            <a:r>
+              <a:rPr lang="en-US" altLang="ko-KR" sz="1000">
+                <a:solidFill>
+                  <a:srgbClr val="ABB2BF"/>
+                </a:solidFill>
+                <a:latin typeface="+mn-ea"/>
+              </a:rPr>
+              <a:t>&gt;</a:t>
+            </a:r>
+          </a:p>
+          <a:p>
+            <a:r>
+              <a:rPr lang="en-US" altLang="ko-KR" sz="1000">
+                <a:solidFill>
+                  <a:srgbClr val="ABB2BF"/>
+                </a:solidFill>
+                <a:latin typeface="+mn-ea"/>
+              </a:rPr>
+              <a:t>        &lt;</a:t>
+            </a:r>
+            <a:r>
+              <a:rPr lang="en-US" altLang="ko-KR" sz="1000">
+                <a:solidFill>
+                  <a:srgbClr val="E06C75"/>
+                </a:solidFill>
+                <a:latin typeface="+mn-ea"/>
+              </a:rPr>
+              <a:t>li</a:t>
+            </a:r>
+            <a:r>
+              <a:rPr lang="en-US" altLang="ko-KR" sz="1000">
+                <a:solidFill>
+                  <a:srgbClr val="ABB2BF"/>
+                </a:solidFill>
+                <a:latin typeface="+mn-ea"/>
+              </a:rPr>
+              <a:t>&gt;&lt;</a:t>
+            </a:r>
+            <a:r>
+              <a:rPr lang="en-US" altLang="ko-KR" sz="1000">
+                <a:solidFill>
+                  <a:srgbClr val="E06C75"/>
+                </a:solidFill>
+                <a:latin typeface="+mn-ea"/>
+              </a:rPr>
+              <a:t>a</a:t>
+            </a:r>
+            <a:r>
+              <a:rPr lang="en-US" altLang="ko-KR" sz="1000">
+                <a:solidFill>
+                  <a:srgbClr val="ABB2BF"/>
+                </a:solidFill>
+                <a:latin typeface="+mn-ea"/>
+              </a:rPr>
+              <a:t> </a:t>
+            </a:r>
+            <a:r>
+              <a:rPr lang="en-US" altLang="ko-KR" sz="1000">
+                <a:solidFill>
+                  <a:srgbClr val="D19A66"/>
+                </a:solidFill>
+                <a:latin typeface="+mn-ea"/>
+              </a:rPr>
+              <a:t>href</a:t>
+            </a:r>
+            <a:r>
+              <a:rPr lang="en-US" altLang="ko-KR" sz="1000">
+                <a:solidFill>
+                  <a:srgbClr val="ABB2BF"/>
+                </a:solidFill>
+                <a:latin typeface="+mn-ea"/>
+              </a:rPr>
+              <a:t>=</a:t>
+            </a:r>
+            <a:r>
+              <a:rPr lang="en-US" altLang="ko-KR" sz="1000">
+                <a:solidFill>
+                  <a:srgbClr val="98C379"/>
+                </a:solidFill>
+                <a:latin typeface="+mn-ea"/>
+              </a:rPr>
+              <a:t>"http://www.naver.com"</a:t>
+            </a:r>
+            <a:endParaRPr lang="en-US" altLang="ko-KR" sz="1000">
+              <a:solidFill>
+                <a:srgbClr val="ABB2BF"/>
+              </a:solidFill>
+              <a:latin typeface="+mn-ea"/>
+            </a:endParaRPr>
+          </a:p>
+          <a:p>
+            <a:r>
+              <a:rPr lang="en-US" altLang="ko-KR" sz="1000">
+                <a:solidFill>
+                  <a:srgbClr val="ABB2BF"/>
+                </a:solidFill>
+                <a:latin typeface="+mn-ea"/>
+              </a:rPr>
+              <a:t>            </a:t>
+            </a:r>
+            <a:r>
+              <a:rPr lang="en-US" altLang="ko-KR" sz="1000">
+                <a:solidFill>
+                  <a:srgbClr val="D19A66"/>
+                </a:solidFill>
+                <a:latin typeface="+mn-ea"/>
+              </a:rPr>
+              <a:t>target</a:t>
+            </a:r>
+            <a:r>
+              <a:rPr lang="en-US" altLang="ko-KR" sz="1000">
+                <a:solidFill>
+                  <a:srgbClr val="ABB2BF"/>
+                </a:solidFill>
+                <a:latin typeface="+mn-ea"/>
+              </a:rPr>
+              <a:t>=</a:t>
+            </a:r>
+            <a:r>
+              <a:rPr lang="en-US" altLang="ko-KR" sz="1000">
+                <a:solidFill>
+                  <a:srgbClr val="98C379"/>
+                </a:solidFill>
+                <a:latin typeface="+mn-ea"/>
+              </a:rPr>
+              <a:t>"_parent"</a:t>
+            </a:r>
+            <a:r>
+              <a:rPr lang="en-US" altLang="ko-KR" sz="1000">
+                <a:solidFill>
+                  <a:srgbClr val="ABB2BF"/>
+                </a:solidFill>
+                <a:latin typeface="+mn-ea"/>
+              </a:rPr>
+              <a:t>&gt;</a:t>
+            </a:r>
+            <a:r>
+              <a:rPr lang="ko-KR" altLang="en-US" sz="1000">
+                <a:solidFill>
+                  <a:srgbClr val="ABB2BF"/>
+                </a:solidFill>
+                <a:latin typeface="+mn-ea"/>
+              </a:rPr>
+              <a:t>네이버</a:t>
+            </a:r>
+            <a:r>
+              <a:rPr lang="en-US" altLang="ko-KR" sz="1000">
+                <a:solidFill>
+                  <a:srgbClr val="ABB2BF"/>
+                </a:solidFill>
+                <a:latin typeface="+mn-ea"/>
+              </a:rPr>
+              <a:t>(</a:t>
+            </a:r>
+            <a:r>
+              <a:rPr lang="ko-KR" altLang="en-US" sz="1000">
+                <a:solidFill>
+                  <a:srgbClr val="ABB2BF"/>
+                </a:solidFill>
+                <a:latin typeface="+mn-ea"/>
+              </a:rPr>
+              <a:t>부모 윈도우</a:t>
+            </a:r>
+            <a:r>
+              <a:rPr lang="en-US" altLang="ko-KR" sz="1000">
+                <a:solidFill>
+                  <a:srgbClr val="ABB2BF"/>
+                </a:solidFill>
+                <a:latin typeface="+mn-ea"/>
+              </a:rPr>
+              <a:t>, _parent)&lt;/</a:t>
+            </a:r>
+            <a:r>
+              <a:rPr lang="en-US" altLang="ko-KR" sz="1000">
+                <a:solidFill>
+                  <a:srgbClr val="E06C75"/>
+                </a:solidFill>
+                <a:latin typeface="+mn-ea"/>
+              </a:rPr>
+              <a:t>a</a:t>
+            </a:r>
+            <a:r>
+              <a:rPr lang="en-US" altLang="ko-KR" sz="1000">
+                <a:solidFill>
+                  <a:srgbClr val="ABB2BF"/>
+                </a:solidFill>
+                <a:latin typeface="+mn-ea"/>
+              </a:rPr>
+              <a:t>&gt;&lt;/</a:t>
+            </a:r>
+            <a:r>
+              <a:rPr lang="en-US" altLang="ko-KR" sz="1000">
+                <a:solidFill>
+                  <a:srgbClr val="E06C75"/>
+                </a:solidFill>
+                <a:latin typeface="+mn-ea"/>
+              </a:rPr>
+              <a:t>li</a:t>
+            </a:r>
+            <a:r>
+              <a:rPr lang="en-US" altLang="ko-KR" sz="1000">
+                <a:solidFill>
+                  <a:srgbClr val="ABB2BF"/>
+                </a:solidFill>
+                <a:latin typeface="+mn-ea"/>
+              </a:rPr>
+              <a:t>&gt;</a:t>
+            </a:r>
+          </a:p>
+          <a:p>
+            <a:r>
+              <a:rPr lang="en-US" altLang="ko-KR" sz="1000">
+                <a:solidFill>
+                  <a:srgbClr val="ABB2BF"/>
+                </a:solidFill>
+                <a:latin typeface="+mn-ea"/>
+              </a:rPr>
+              <a:t>        &lt;</a:t>
+            </a:r>
+            <a:r>
+              <a:rPr lang="en-US" altLang="ko-KR" sz="1000">
+                <a:solidFill>
+                  <a:srgbClr val="E06C75"/>
+                </a:solidFill>
+                <a:latin typeface="+mn-ea"/>
+              </a:rPr>
+              <a:t>li</a:t>
+            </a:r>
+            <a:r>
+              <a:rPr lang="en-US" altLang="ko-KR" sz="1000">
+                <a:solidFill>
+                  <a:srgbClr val="ABB2BF"/>
+                </a:solidFill>
+                <a:latin typeface="+mn-ea"/>
+              </a:rPr>
+              <a:t>&gt;&lt;</a:t>
+            </a:r>
+            <a:r>
+              <a:rPr lang="en-US" altLang="ko-KR" sz="1000">
+                <a:solidFill>
+                  <a:srgbClr val="E06C75"/>
+                </a:solidFill>
+                <a:latin typeface="+mn-ea"/>
+              </a:rPr>
+              <a:t>a</a:t>
+            </a:r>
+            <a:r>
+              <a:rPr lang="en-US" altLang="ko-KR" sz="1000">
+                <a:solidFill>
+                  <a:srgbClr val="ABB2BF"/>
+                </a:solidFill>
+                <a:latin typeface="+mn-ea"/>
+              </a:rPr>
+              <a:t> </a:t>
+            </a:r>
+            <a:r>
+              <a:rPr lang="en-US" altLang="ko-KR" sz="1000">
+                <a:solidFill>
+                  <a:srgbClr val="D19A66"/>
+                </a:solidFill>
+                <a:latin typeface="+mn-ea"/>
+              </a:rPr>
+              <a:t>href</a:t>
+            </a:r>
+            <a:r>
+              <a:rPr lang="en-US" altLang="ko-KR" sz="1000">
+                <a:solidFill>
+                  <a:srgbClr val="ABB2BF"/>
+                </a:solidFill>
+                <a:latin typeface="+mn-ea"/>
+              </a:rPr>
+              <a:t>=</a:t>
+            </a:r>
+            <a:r>
+              <a:rPr lang="en-US" altLang="ko-KR" sz="1000">
+                <a:solidFill>
+                  <a:srgbClr val="98C379"/>
+                </a:solidFill>
+                <a:latin typeface="+mn-ea"/>
+              </a:rPr>
+              <a:t>"http://www.mk.co.kr"</a:t>
+            </a:r>
+            <a:endParaRPr lang="en-US" altLang="ko-KR" sz="1000">
+              <a:solidFill>
+                <a:srgbClr val="ABB2BF"/>
+              </a:solidFill>
+              <a:latin typeface="+mn-ea"/>
+            </a:endParaRPr>
+          </a:p>
+          <a:p>
+            <a:r>
+              <a:rPr lang="en-US" altLang="ko-KR" sz="1000">
+                <a:solidFill>
+                  <a:srgbClr val="ABB2BF"/>
+                </a:solidFill>
+                <a:latin typeface="+mn-ea"/>
+              </a:rPr>
+              <a:t>            </a:t>
+            </a:r>
+            <a:r>
+              <a:rPr lang="en-US" altLang="ko-KR" sz="1000">
+                <a:solidFill>
+                  <a:srgbClr val="D19A66"/>
+                </a:solidFill>
+                <a:latin typeface="+mn-ea"/>
+              </a:rPr>
+              <a:t>target</a:t>
+            </a:r>
+            <a:r>
+              <a:rPr lang="en-US" altLang="ko-KR" sz="1000">
+                <a:solidFill>
+                  <a:srgbClr val="ABB2BF"/>
+                </a:solidFill>
+                <a:latin typeface="+mn-ea"/>
+              </a:rPr>
+              <a:t>=</a:t>
+            </a:r>
+            <a:r>
+              <a:rPr lang="en-US" altLang="ko-KR" sz="1000">
+                <a:solidFill>
+                  <a:srgbClr val="98C379"/>
+                </a:solidFill>
+                <a:latin typeface="+mn-ea"/>
+              </a:rPr>
+              <a:t>"_top"</a:t>
+            </a:r>
+            <a:r>
+              <a:rPr lang="en-US" altLang="ko-KR" sz="1000">
+                <a:solidFill>
+                  <a:srgbClr val="ABB2BF"/>
+                </a:solidFill>
+                <a:latin typeface="+mn-ea"/>
+              </a:rPr>
+              <a:t>&gt;</a:t>
+            </a:r>
+            <a:r>
+              <a:rPr lang="ko-KR" altLang="en-US" sz="1000">
+                <a:solidFill>
+                  <a:srgbClr val="ABB2BF"/>
+                </a:solidFill>
+                <a:latin typeface="+mn-ea"/>
+              </a:rPr>
+              <a:t>매일경제신문</a:t>
+            </a:r>
+            <a:r>
+              <a:rPr lang="en-US" altLang="ko-KR" sz="1000">
+                <a:solidFill>
+                  <a:srgbClr val="ABB2BF"/>
+                </a:solidFill>
+                <a:latin typeface="+mn-ea"/>
+              </a:rPr>
+              <a:t>(</a:t>
+            </a:r>
+            <a:r>
+              <a:rPr lang="ko-KR" altLang="en-US" sz="1000">
+                <a:solidFill>
+                  <a:srgbClr val="ABB2BF"/>
+                </a:solidFill>
+                <a:latin typeface="+mn-ea"/>
+              </a:rPr>
+              <a:t>브라우저 윈도우</a:t>
+            </a:r>
+            <a:r>
+              <a:rPr lang="en-US" altLang="ko-KR" sz="1000">
+                <a:solidFill>
+                  <a:srgbClr val="ABB2BF"/>
+                </a:solidFill>
+                <a:latin typeface="+mn-ea"/>
+              </a:rPr>
+              <a:t>, _top)&lt;/</a:t>
+            </a:r>
+            <a:r>
+              <a:rPr lang="en-US" altLang="ko-KR" sz="1000">
+                <a:solidFill>
+                  <a:srgbClr val="E06C75"/>
+                </a:solidFill>
+                <a:latin typeface="+mn-ea"/>
+              </a:rPr>
+              <a:t>a</a:t>
+            </a:r>
+            <a:r>
+              <a:rPr lang="en-US" altLang="ko-KR" sz="1000">
+                <a:solidFill>
+                  <a:srgbClr val="ABB2BF"/>
+                </a:solidFill>
+                <a:latin typeface="+mn-ea"/>
+              </a:rPr>
+              <a:t>&gt;&lt;/</a:t>
+            </a:r>
+            <a:r>
+              <a:rPr lang="en-US" altLang="ko-KR" sz="1000">
+                <a:solidFill>
+                  <a:srgbClr val="E06C75"/>
+                </a:solidFill>
+                <a:latin typeface="+mn-ea"/>
+              </a:rPr>
+              <a:t>li</a:t>
+            </a:r>
+            <a:r>
+              <a:rPr lang="en-US" altLang="ko-KR" sz="1000">
+                <a:solidFill>
+                  <a:srgbClr val="ABB2BF"/>
+                </a:solidFill>
+                <a:latin typeface="+mn-ea"/>
+              </a:rPr>
+              <a:t>&gt;</a:t>
+            </a:r>
+          </a:p>
+          <a:p>
+            <a:r>
+              <a:rPr lang="en-US" altLang="ko-KR" sz="1000">
+                <a:solidFill>
+                  <a:srgbClr val="ABB2BF"/>
+                </a:solidFill>
+                <a:latin typeface="+mn-ea"/>
+              </a:rPr>
+              <a:t>                        </a:t>
+            </a:r>
+          </a:p>
+          <a:p>
+            <a:r>
+              <a:rPr lang="en-US" altLang="ko-KR" sz="1000">
+                <a:solidFill>
+                  <a:srgbClr val="ABB2BF"/>
+                </a:solidFill>
+                <a:latin typeface="+mn-ea"/>
+              </a:rPr>
+              <a:t>    &lt;/</a:t>
+            </a:r>
+            <a:r>
+              <a:rPr lang="en-US" altLang="ko-KR" sz="1000">
+                <a:solidFill>
+                  <a:srgbClr val="E06C75"/>
+                </a:solidFill>
+                <a:latin typeface="+mn-ea"/>
+              </a:rPr>
+              <a:t>ul</a:t>
+            </a:r>
+            <a:r>
+              <a:rPr lang="en-US" altLang="ko-KR" sz="1000">
+                <a:solidFill>
+                  <a:srgbClr val="ABB2BF"/>
+                </a:solidFill>
+                <a:latin typeface="+mn-ea"/>
+              </a:rPr>
+              <a:t>&gt;</a:t>
+            </a:r>
+          </a:p>
+          <a:p>
+            <a:r>
+              <a:rPr lang="en-US" altLang="ko-KR" sz="1000">
+                <a:solidFill>
+                  <a:srgbClr val="ABB2BF"/>
+                </a:solidFill>
+                <a:latin typeface="+mn-ea"/>
+              </a:rPr>
+              <a:t>&lt;/</a:t>
+            </a:r>
+            <a:r>
+              <a:rPr lang="en-US" altLang="ko-KR" sz="1000">
+                <a:solidFill>
+                  <a:srgbClr val="E06C75"/>
+                </a:solidFill>
+                <a:latin typeface="+mn-ea"/>
+              </a:rPr>
+              <a:t>body</a:t>
+            </a:r>
+            <a:r>
+              <a:rPr lang="en-US" altLang="ko-KR" sz="1000">
+                <a:solidFill>
+                  <a:srgbClr val="ABB2BF"/>
+                </a:solidFill>
+                <a:latin typeface="+mn-ea"/>
+              </a:rPr>
+              <a:t>&gt;</a:t>
+            </a:r>
+          </a:p>
+          <a:p>
+            <a:r>
+              <a:rPr lang="en-US" altLang="ko-KR" sz="1000">
+                <a:solidFill>
+                  <a:srgbClr val="ABB2BF"/>
+                </a:solidFill>
+                <a:latin typeface="+mn-ea"/>
+              </a:rPr>
+              <a:t>&lt;/</a:t>
+            </a:r>
+            <a:r>
+              <a:rPr lang="en-US" altLang="ko-KR" sz="1000">
+                <a:solidFill>
+                  <a:srgbClr val="E06C75"/>
+                </a:solidFill>
+                <a:latin typeface="+mn-ea"/>
+              </a:rPr>
+              <a:t>html</a:t>
+            </a:r>
+            <a:r>
+              <a:rPr lang="en-US" altLang="ko-KR" sz="1000">
+                <a:solidFill>
+                  <a:srgbClr val="ABB2BF"/>
+                </a:solidFill>
+                <a:latin typeface="+mn-ea"/>
+              </a:rPr>
+              <a:t>&gt;</a:t>
+            </a:r>
+            <a:endParaRPr lang="en-US" altLang="ko-KR" sz="1000" b="0">
+              <a:solidFill>
+                <a:srgbClr val="ABB2BF"/>
+              </a:solidFill>
+              <a:effectLst/>
+              <a:latin typeface="+mn-ea"/>
+            </a:endParaRPr>
+          </a:p>
+        </p:txBody>
+      </p:sp>
+      <p:sp>
+        <p:nvSpPr>
+          <p:cNvPr id="3" name="TextBox 2"/>
+          <p:cNvSpPr txBox="1"/>
+          <p:nvPr/>
+        </p:nvSpPr>
+        <p:spPr>
+          <a:xfrm>
+            <a:off x="602863" y="192550"/>
+            <a:ext cx="10231395" cy="461665"/>
+          </a:xfrm>
+          <a:prstGeom prst="rect">
+            <a:avLst/>
+          </a:prstGeom>
+          <a:noFill/>
+        </p:spPr>
+        <p:txBody>
+          <a:bodyPr wrap="square" rtlCol="0">
+            <a:spAutoFit/>
+          </a:bodyPr>
+          <a:lstStyle/>
+          <a:p>
+            <a:r>
+              <a:rPr lang="en-US" altLang="ko-KR" sz="2400" b="1" smtClean="0">
+                <a:latin typeface="+mn-ea"/>
+              </a:rPr>
+              <a:t>target</a:t>
+            </a:r>
+            <a:endParaRPr lang="ko-KR" altLang="en-US" sz="2400" b="1">
+              <a:latin typeface="+mn-ea"/>
+            </a:endParaRPr>
+          </a:p>
+        </p:txBody>
+      </p:sp>
+      <p:sp>
+        <p:nvSpPr>
+          <p:cNvPr id="4" name="직사각형 3"/>
+          <p:cNvSpPr/>
+          <p:nvPr/>
+        </p:nvSpPr>
+        <p:spPr>
+          <a:xfrm>
+            <a:off x="602863" y="728768"/>
+            <a:ext cx="10707129" cy="114984"/>
+          </a:xfrm>
+          <a:prstGeom prst="rect">
+            <a:avLst/>
+          </a:prstGeom>
+          <a:ln>
+            <a:noFill/>
+          </a:ln>
+        </p:spPr>
+        <p:style>
+          <a:lnRef idx="2">
+            <a:schemeClr val="accent1">
+              <a:shade val="50000"/>
+            </a:schemeClr>
+          </a:lnRef>
+          <a:fillRef idx="1">
+            <a:schemeClr val="accent1"/>
+          </a:fillRef>
+          <a:effectRef idx="0">
+            <a:schemeClr val="accent1"/>
+          </a:effectRef>
+          <a:fontRef idx="minor">
+            <a:schemeClr val="lt1"/>
+          </a:fontRef>
+        </p:style>
+        <p:txBody>
+          <a:bodyPr rtlCol="0" anchor="ctr"/>
+          <a:lstStyle/>
+          <a:p>
+            <a:pPr algn="ctr"/>
+            <a:endParaRPr lang="ko-KR" altLang="en-US"/>
+          </a:p>
+        </p:txBody>
+      </p:sp>
+      <p:sp>
+        <p:nvSpPr>
+          <p:cNvPr id="5" name="TextBox 4"/>
+          <p:cNvSpPr txBox="1"/>
+          <p:nvPr/>
+        </p:nvSpPr>
+        <p:spPr>
+          <a:xfrm>
+            <a:off x="5593707" y="879620"/>
+            <a:ext cx="698866" cy="246221"/>
+          </a:xfrm>
+          <a:prstGeom prst="rect">
+            <a:avLst/>
+          </a:prstGeom>
+          <a:noFill/>
+        </p:spPr>
+        <p:txBody>
+          <a:bodyPr wrap="square" rtlCol="0">
+            <a:spAutoFit/>
+          </a:bodyPr>
+          <a:lstStyle/>
+          <a:p>
+            <a:r>
+              <a:rPr lang="en-US" altLang="ko-KR" sz="1000" smtClean="0">
+                <a:latin typeface="+mn-ea"/>
+              </a:rPr>
+              <a:t>&lt;</a:t>
+            </a:r>
+            <a:r>
+              <a:rPr lang="ko-KR" altLang="en-US" sz="1000" smtClean="0">
+                <a:latin typeface="+mn-ea"/>
+              </a:rPr>
+              <a:t>결과</a:t>
+            </a:r>
+            <a:r>
+              <a:rPr lang="en-US" altLang="ko-KR" sz="1000" smtClean="0">
+                <a:latin typeface="+mn-ea"/>
+              </a:rPr>
+              <a:t>&gt;</a:t>
+            </a:r>
+            <a:endParaRPr lang="ko-KR" altLang="en-US" sz="1000">
+              <a:latin typeface="+mn-ea"/>
+            </a:endParaRPr>
+          </a:p>
+        </p:txBody>
+      </p:sp>
+      <p:sp>
+        <p:nvSpPr>
+          <p:cNvPr id="6" name="TextBox 5"/>
+          <p:cNvSpPr txBox="1"/>
+          <p:nvPr/>
+        </p:nvSpPr>
+        <p:spPr>
+          <a:xfrm>
+            <a:off x="2213716" y="879621"/>
+            <a:ext cx="970377" cy="246221"/>
+          </a:xfrm>
+          <a:prstGeom prst="rect">
+            <a:avLst/>
+          </a:prstGeom>
+          <a:noFill/>
+        </p:spPr>
+        <p:txBody>
+          <a:bodyPr wrap="square" rtlCol="0">
+            <a:spAutoFit/>
+          </a:bodyPr>
+          <a:lstStyle/>
+          <a:p>
+            <a:r>
+              <a:rPr lang="en-US" altLang="ko-KR" sz="1000" smtClean="0">
+                <a:latin typeface="+mn-ea"/>
+              </a:rPr>
+              <a:t>&lt;</a:t>
+            </a:r>
+            <a:r>
+              <a:rPr lang="ko-KR" altLang="en-US" sz="1000" smtClean="0">
+                <a:latin typeface="+mn-ea"/>
+              </a:rPr>
+              <a:t>소스 코드</a:t>
+            </a:r>
+            <a:r>
+              <a:rPr lang="en-US" altLang="ko-KR" sz="1000" smtClean="0">
+                <a:latin typeface="+mn-ea"/>
+              </a:rPr>
+              <a:t>&gt;</a:t>
+            </a:r>
+            <a:endParaRPr lang="ko-KR" altLang="en-US" sz="1000">
+              <a:latin typeface="+mn-ea"/>
+            </a:endParaRPr>
+          </a:p>
+        </p:txBody>
+      </p:sp>
+      <p:pic>
+        <p:nvPicPr>
+          <p:cNvPr id="7" name="그림 6"/>
+          <p:cNvPicPr>
+            <a:picLocks noChangeAspect="1"/>
+          </p:cNvPicPr>
+          <p:nvPr/>
+        </p:nvPicPr>
+        <p:blipFill>
+          <a:blip r:embed="rId2"/>
+          <a:stretch>
+            <a:fillRect/>
+          </a:stretch>
+        </p:blipFill>
+        <p:spPr>
+          <a:xfrm>
+            <a:off x="5351530" y="1335699"/>
+            <a:ext cx="3334215" cy="1819529"/>
+          </a:xfrm>
+          <a:prstGeom prst="rect">
+            <a:avLst/>
+          </a:prstGeom>
+        </p:spPr>
+      </p:pic>
+      <p:sp>
+        <p:nvSpPr>
+          <p:cNvPr id="8" name="TextBox 7"/>
+          <p:cNvSpPr txBox="1"/>
+          <p:nvPr/>
+        </p:nvSpPr>
+        <p:spPr>
+          <a:xfrm>
+            <a:off x="5486400" y="3707027"/>
+            <a:ext cx="5560541" cy="1323439"/>
+          </a:xfrm>
+          <a:prstGeom prst="rect">
+            <a:avLst/>
+          </a:prstGeom>
+          <a:noFill/>
+        </p:spPr>
+        <p:txBody>
+          <a:bodyPr wrap="square" rtlCol="0">
+            <a:spAutoFit/>
+          </a:bodyPr>
+          <a:lstStyle/>
+          <a:p>
+            <a:r>
+              <a:rPr lang="en-US" altLang="ko-KR" sz="1000">
+                <a:latin typeface="+mn-ea"/>
+              </a:rPr>
+              <a:t>&lt;base&gt; &lt;a&gt; &lt;area&gt; &lt;form&gt; </a:t>
+            </a:r>
+            <a:r>
+              <a:rPr lang="ko-KR" altLang="en-US" sz="1000">
+                <a:latin typeface="+mn-ea"/>
+              </a:rPr>
+              <a:t>태그에서 페이지 출력할 윈도우 지정</a:t>
+            </a:r>
+          </a:p>
+          <a:p>
+            <a:r>
+              <a:rPr lang="ko-KR" altLang="en-US" sz="1000">
+                <a:latin typeface="+mn-ea"/>
+              </a:rPr>
+              <a:t>            </a:t>
+            </a:r>
+            <a:r>
+              <a:rPr lang="en-US" altLang="ko-KR" sz="1000">
+                <a:latin typeface="+mn-ea"/>
+              </a:rPr>
+              <a:t>_blank : </a:t>
+            </a:r>
+            <a:r>
+              <a:rPr lang="ko-KR" altLang="en-US" sz="1000">
+                <a:latin typeface="+mn-ea"/>
+              </a:rPr>
+              <a:t>새로운 브라우저 탭 생성</a:t>
+            </a:r>
+          </a:p>
+          <a:p>
+            <a:r>
+              <a:rPr lang="ko-KR" altLang="en-US" sz="1000">
+                <a:latin typeface="+mn-ea"/>
+              </a:rPr>
+              <a:t>            </a:t>
+            </a:r>
+            <a:r>
+              <a:rPr lang="en-US" altLang="ko-KR" sz="1000">
+                <a:latin typeface="+mn-ea"/>
+              </a:rPr>
+              <a:t>_self : </a:t>
+            </a:r>
+            <a:r>
+              <a:rPr lang="ko-KR" altLang="en-US" sz="1000">
+                <a:latin typeface="+mn-ea"/>
+              </a:rPr>
+              <a:t>현재 윈도우</a:t>
+            </a:r>
+          </a:p>
+          <a:p>
+            <a:r>
+              <a:rPr lang="ko-KR" altLang="en-US" sz="1000">
+                <a:latin typeface="+mn-ea"/>
+              </a:rPr>
+              <a:t>            </a:t>
+            </a:r>
+            <a:r>
+              <a:rPr lang="en-US" altLang="ko-KR" sz="1000">
+                <a:latin typeface="+mn-ea"/>
+              </a:rPr>
+              <a:t>_parent : </a:t>
+            </a:r>
+            <a:r>
+              <a:rPr lang="ko-KR" altLang="en-US" sz="1000">
+                <a:latin typeface="+mn-ea"/>
+              </a:rPr>
+              <a:t>최상위 브라우저 윈도우</a:t>
+            </a:r>
+          </a:p>
+          <a:p>
+            <a:r>
+              <a:rPr lang="ko-KR" altLang="en-US" sz="1000">
+                <a:latin typeface="+mn-ea"/>
+              </a:rPr>
+              <a:t>            </a:t>
+            </a:r>
+            <a:r>
+              <a:rPr lang="en-US" altLang="ko-KR" sz="1000">
+                <a:latin typeface="+mn-ea"/>
+              </a:rPr>
+              <a:t>_top : </a:t>
+            </a:r>
+            <a:r>
+              <a:rPr lang="ko-KR" altLang="en-US" sz="1000">
+                <a:latin typeface="+mn-ea"/>
+              </a:rPr>
+              <a:t>최상위 브라우저 윈도우</a:t>
+            </a:r>
+          </a:p>
+          <a:p>
+            <a:r>
+              <a:rPr lang="ko-KR" altLang="en-US" sz="1000">
+                <a:latin typeface="+mn-ea"/>
+              </a:rPr>
+              <a:t>            윈도우 이름 </a:t>
+            </a:r>
+            <a:r>
+              <a:rPr lang="en-US" altLang="ko-KR" sz="1000">
+                <a:latin typeface="+mn-ea"/>
+              </a:rPr>
+              <a:t>: _</a:t>
+            </a:r>
+            <a:r>
+              <a:rPr lang="ko-KR" altLang="en-US" sz="1000">
+                <a:latin typeface="+mn-ea"/>
+              </a:rPr>
+              <a:t>대상 </a:t>
+            </a:r>
+            <a:r>
+              <a:rPr lang="ko-KR" altLang="en-US" sz="1000">
+                <a:latin typeface="+mn-ea"/>
+              </a:rPr>
+              <a:t>윈도우 </a:t>
+            </a:r>
+            <a:r>
+              <a:rPr lang="ko-KR" altLang="en-US" sz="1000" smtClean="0">
+                <a:latin typeface="+mn-ea"/>
+              </a:rPr>
+              <a:t>이름</a:t>
+            </a:r>
+            <a:endParaRPr lang="en-US" altLang="ko-KR" sz="1000" smtClean="0">
+              <a:latin typeface="+mn-ea"/>
+            </a:endParaRPr>
+          </a:p>
+          <a:p>
+            <a:endParaRPr lang="en-US" altLang="ko-KR" sz="1000">
+              <a:latin typeface="+mn-ea"/>
+            </a:endParaRPr>
+          </a:p>
+          <a:p>
+            <a:r>
+              <a:rPr lang="ko-KR" altLang="en-US" sz="1000" smtClean="0">
+                <a:latin typeface="+mn-ea"/>
+              </a:rPr>
+              <a:t>사이트를 어떤방식으로 열 것인지 옵션을 선택하여 코딩</a:t>
+            </a:r>
+            <a:endParaRPr lang="ko-KR" altLang="en-US" sz="1000">
+              <a:latin typeface="+mn-ea"/>
+            </a:endParaRPr>
+          </a:p>
+        </p:txBody>
+      </p:sp>
+    </p:spTree>
+    <p:extLst>
+      <p:ext uri="{BB962C8B-B14F-4D97-AF65-F5344CB8AC3E}">
+        <p14:creationId xmlns:p14="http://schemas.microsoft.com/office/powerpoint/2010/main" val="1927377575"/>
+      </p:ext>
+    </p:extLst>
+  </p:cSld>
+  <p:clrMapOvr>
+    <a:masterClrMapping/>
+  </p:clrMapOvr>
+</p:sld>
+</file>
+
+<file path=ppt/slides/slide9.xml><?xml version="1.0" encoding="utf-8"?>
+<p:sld xmlns:a="http://schemas.openxmlformats.org/drawingml/2006/main" xmlns:r="http://schemas.openxmlformats.org/officeDocument/2006/relationships" xmlns:p="http://schemas.openxmlformats.org/presentationml/2006/main">
+  <p:cSld>
+    <p:spTree>
+      <p:nvGrpSpPr>
+        <p:cNvPr id="1" name=""/>
+        <p:cNvGrpSpPr/>
+        <p:nvPr/>
+      </p:nvGrpSpPr>
+      <p:grpSpPr>
+        <a:xfrm>
+          <a:off x="0" y="0"/>
+          <a:ext cx="0" cy="0"/>
+          <a:chOff x="0" y="0"/>
+          <a:chExt cx="0" cy="0"/>
+        </a:xfrm>
+      </p:grpSpPr>
+      <p:sp>
+        <p:nvSpPr>
+          <p:cNvPr id="2" name="TextBox 1"/>
+          <p:cNvSpPr txBox="1"/>
+          <p:nvPr/>
+        </p:nvSpPr>
+        <p:spPr>
+          <a:xfrm>
+            <a:off x="602863" y="192550"/>
+            <a:ext cx="10231395" cy="461665"/>
+          </a:xfrm>
+          <a:prstGeom prst="rect">
+            <a:avLst/>
+          </a:prstGeom>
+          <a:noFill/>
+        </p:spPr>
+        <p:txBody>
+          <a:bodyPr wrap="square" rtlCol="0">
+            <a:spAutoFit/>
+          </a:bodyPr>
+          <a:lstStyle/>
+          <a:p>
+            <a:r>
+              <a:rPr lang="en-US" altLang="ko-KR" sz="2400" b="1" smtClean="0">
+                <a:latin typeface="+mn-ea"/>
+              </a:rPr>
+              <a:t>target</a:t>
+            </a:r>
+            <a:endParaRPr lang="ko-KR" altLang="en-US" sz="2400" b="1">
+              <a:latin typeface="+mn-ea"/>
+            </a:endParaRPr>
+          </a:p>
+        </p:txBody>
+      </p:sp>
+      <p:sp>
+        <p:nvSpPr>
+          <p:cNvPr id="3" name="직사각형 2"/>
+          <p:cNvSpPr/>
+          <p:nvPr/>
+        </p:nvSpPr>
+        <p:spPr>
+          <a:xfrm>
+            <a:off x="602863" y="728768"/>
+            <a:ext cx="10707129" cy="114984"/>
+          </a:xfrm>
+          <a:prstGeom prst="rect">
+            <a:avLst/>
+          </a:prstGeom>
+          <a:ln>
+            <a:noFill/>
+          </a:ln>
+        </p:spPr>
+        <p:style>
+          <a:lnRef idx="2">
+            <a:schemeClr val="accent1">
+              <a:shade val="50000"/>
+            </a:schemeClr>
+          </a:lnRef>
+          <a:fillRef idx="1">
+            <a:schemeClr val="accent1"/>
+          </a:fillRef>
+          <a:effectRef idx="0">
+            <a:schemeClr val="accent1"/>
+          </a:effectRef>
+          <a:fontRef idx="minor">
+            <a:schemeClr val="lt1"/>
+          </a:fontRef>
+        </p:style>
+        <p:txBody>
+          <a:bodyPr rtlCol="0" anchor="ctr"/>
+          <a:lstStyle/>
+          <a:p>
+            <a:pPr algn="ctr"/>
+            <a:endParaRPr lang="ko-KR" altLang="en-US"/>
+          </a:p>
+        </p:txBody>
+      </p:sp>
+      <p:sp>
+        <p:nvSpPr>
+          <p:cNvPr id="4" name="TextBox 3"/>
+          <p:cNvSpPr txBox="1"/>
+          <p:nvPr/>
+        </p:nvSpPr>
+        <p:spPr>
+          <a:xfrm>
+            <a:off x="5593707" y="879620"/>
+            <a:ext cx="698866" cy="246221"/>
+          </a:xfrm>
+          <a:prstGeom prst="rect">
+            <a:avLst/>
+          </a:prstGeom>
+          <a:noFill/>
+        </p:spPr>
+        <p:txBody>
+          <a:bodyPr wrap="square" rtlCol="0">
+            <a:spAutoFit/>
+          </a:bodyPr>
+          <a:lstStyle/>
+          <a:p>
+            <a:r>
+              <a:rPr lang="en-US" altLang="ko-KR" sz="1000" smtClean="0">
+                <a:latin typeface="+mn-ea"/>
+              </a:rPr>
+              <a:t>&lt;</a:t>
+            </a:r>
+            <a:r>
+              <a:rPr lang="ko-KR" altLang="en-US" sz="1000" smtClean="0">
+                <a:latin typeface="+mn-ea"/>
+              </a:rPr>
+              <a:t>결과</a:t>
+            </a:r>
+            <a:r>
+              <a:rPr lang="en-US" altLang="ko-KR" sz="1000" smtClean="0">
+                <a:latin typeface="+mn-ea"/>
+              </a:rPr>
+              <a:t>&gt;</a:t>
+            </a:r>
+            <a:endParaRPr lang="ko-KR" altLang="en-US" sz="1000">
+              <a:latin typeface="+mn-ea"/>
+            </a:endParaRPr>
+          </a:p>
+        </p:txBody>
+      </p:sp>
+      <p:sp>
+        <p:nvSpPr>
+          <p:cNvPr id="5" name="TextBox 4"/>
+          <p:cNvSpPr txBox="1"/>
+          <p:nvPr/>
+        </p:nvSpPr>
+        <p:spPr>
+          <a:xfrm>
+            <a:off x="2213716" y="879621"/>
+            <a:ext cx="970377" cy="246221"/>
+          </a:xfrm>
+          <a:prstGeom prst="rect">
+            <a:avLst/>
+          </a:prstGeom>
+          <a:noFill/>
+        </p:spPr>
+        <p:txBody>
+          <a:bodyPr wrap="square" rtlCol="0">
+            <a:spAutoFit/>
+          </a:bodyPr>
+          <a:lstStyle/>
+          <a:p>
+            <a:r>
+              <a:rPr lang="en-US" altLang="ko-KR" sz="1000" smtClean="0">
+                <a:latin typeface="+mn-ea"/>
+              </a:rPr>
+              <a:t>&lt;</a:t>
+            </a:r>
+            <a:r>
+              <a:rPr lang="ko-KR" altLang="en-US" sz="1000" smtClean="0">
+                <a:latin typeface="+mn-ea"/>
+              </a:rPr>
+              <a:t>소스 코드</a:t>
+            </a:r>
+            <a:r>
+              <a:rPr lang="en-US" altLang="ko-KR" sz="1000" smtClean="0">
+                <a:latin typeface="+mn-ea"/>
+              </a:rPr>
+              <a:t>&gt;</a:t>
+            </a:r>
+            <a:endParaRPr lang="ko-KR" altLang="en-US" sz="1000">
+              <a:latin typeface="+mn-ea"/>
+            </a:endParaRPr>
+          </a:p>
+        </p:txBody>
+      </p:sp>
+    </p:spTree>
+    <p:extLst>
+      <p:ext uri="{BB962C8B-B14F-4D97-AF65-F5344CB8AC3E}">
+        <p14:creationId xmlns:p14="http://schemas.microsoft.com/office/powerpoint/2010/main" val="3478500785"/>
+      </p:ext>
+    </p:extLst>
+  </p:cSld>
+  <p:clrMapOvr>
+    <a:masterClrMapping/>
+  </p:clrMapOvr>
 </p:sld>
 </file>
 
